--- a/iOS行動程式基礎開發上架20堂課/第17堂課自動調整高度的儲存格/swift-巢狀類別.pptx
+++ b/iOS行動程式基礎開發上架20堂課/第17堂課自動調整高度的儲存格/swift-巢狀類別.pptx
@@ -12,6 +12,7 @@
     <p:sldId id="257" r:id="rId9"/>
     <p:sldId id="258" r:id="rId10"/>
     <p:sldId id="259" r:id="rId11"/>
+    <p:sldId id="260" r:id="rId12"/>
   </p:sldIdLst>
   <p:sldSz cx="9144000" cy="5143500"/>
   <p:notesSz cx="6858000" cy="9144000"/>
@@ -33086,8 +33087,8 @@
         </p:nvSpPr>
         <p:spPr>
           <a:xfrm>
-            <a:off x="762931" y="1133261"/>
-            <a:ext cx="3772680" cy="3469641"/>
+            <a:off x="639363" y="1100049"/>
+            <a:ext cx="3380096" cy="3577531"/>
           </a:xfrm>
           <a:prstGeom prst="rect">
             <a:avLst/>
@@ -33107,9 +33108,9 @@
           </a:bodyPr>
           <a:lstStyle/>
           <a:p>
-            <a:pPr marL="457200" indent="-317500" defTabSz="457200">
+            <a:pPr marL="488950" indent="-349250" defTabSz="457200">
               <a:lnSpc>
-                <a:spcPts val="1400"/>
+                <a:spcPts val="1100"/>
               </a:lnSpc>
               <a:spcBef>
                 <a:spcPts val="0"/>
@@ -33120,53 +33121,24 @@
               <a:buSzPct val="100000"/>
               <a:buFont typeface="Menlo"/>
               <a:buChar char="•"/>
-              <a:defRPr b="0" sz="600">
+              <a:defRPr b="0" sz="800">
                 <a:solidFill>
-                  <a:srgbClr val="3F6E74"/>
+                  <a:srgbClr val="5C2699"/>
                 </a:solidFill>
-                <a:latin typeface="Menlo"/>
-                <a:ea typeface="Menlo"/>
-                <a:cs typeface="Menlo"/>
-                <a:sym typeface="Menlo"/>
+                <a:latin typeface="Arial"/>
+                <a:ea typeface="Arial"/>
+                <a:cs typeface="Arial"/>
+                <a:sym typeface="Arial"/>
               </a:defRPr>
             </a:pPr>
             <a:r>
-              <a:rPr>
-                <a:solidFill>
-                  <a:srgbClr val="AA0D91"/>
-                </a:solidFill>
-              </a:rPr>
-              <a:t>struct</a:t>
+              <a:t>struct BlackjackCard {</a:t>
             </a:r>
-            <a:r>
-              <a:rPr>
-                <a:solidFill>
-                  <a:srgbClr val="333333"/>
-                </a:solidFill>
-              </a:rPr>
-              <a:t> </a:t>
-            </a:r>
-            <a:r>
-              <a:t>BlackjackCard</a:t>
-            </a:r>
-            <a:r>
-              <a:rPr>
-                <a:solidFill>
-                  <a:srgbClr val="333333"/>
-                </a:solidFill>
-              </a:rPr>
-              <a:t> {</a:t>
-            </a:r>
-            <a:endParaRPr>
-              <a:solidFill>
-                <a:srgbClr val="333333"/>
-              </a:solidFill>
-            </a:endParaRPr>
           </a:p>
           <a:p>
-            <a:pPr marL="457200" indent="-317500" defTabSz="457200">
+            <a:pPr marL="488950" indent="-349250" defTabSz="457200">
               <a:lnSpc>
-                <a:spcPts val="1400"/>
+                <a:spcPts val="1100"/>
               </a:lnSpc>
               <a:spcBef>
                 <a:spcPts val="0"/>
@@ -33177,21 +33149,21 @@
               <a:buSzPct val="100000"/>
               <a:buFont typeface="Menlo"/>
               <a:buChar char="•"/>
-              <a:defRPr b="0" sz="600">
+              <a:defRPr b="0" sz="800">
                 <a:solidFill>
-                  <a:srgbClr val="333333"/>
+                  <a:srgbClr val="5C2699"/>
                 </a:solidFill>
-                <a:latin typeface="Menlo"/>
-                <a:ea typeface="Menlo"/>
-                <a:cs typeface="Menlo"/>
-                <a:sym typeface="Menlo"/>
+                <a:latin typeface="Arial"/>
+                <a:ea typeface="Arial"/>
+                <a:cs typeface="Arial"/>
+                <a:sym typeface="Arial"/>
               </a:defRPr>
             </a:pPr>
           </a:p>
           <a:p>
-            <a:pPr marL="457200" indent="-317500" defTabSz="457200">
+            <a:pPr marL="488950" indent="-349250" defTabSz="457200">
               <a:lnSpc>
-                <a:spcPts val="1400"/>
+                <a:spcPts val="1100"/>
               </a:lnSpc>
               <a:spcBef>
                 <a:spcPts val="0"/>
@@ -33202,37 +33174,24 @@
               <a:buSzPct val="100000"/>
               <a:buFont typeface="Menlo"/>
               <a:buChar char="•"/>
-              <a:defRPr b="0" sz="600">
+              <a:defRPr b="0" sz="800">
                 <a:solidFill>
-                  <a:srgbClr val="007400"/>
+                  <a:srgbClr val="5C2699"/>
                 </a:solidFill>
-                <a:latin typeface="Menlo"/>
-                <a:ea typeface="Menlo"/>
-                <a:cs typeface="Menlo"/>
-                <a:sym typeface="Menlo"/>
+                <a:latin typeface="Arial"/>
+                <a:ea typeface="Arial"/>
+                <a:cs typeface="Arial"/>
+                <a:sym typeface="Arial"/>
               </a:defRPr>
             </a:pPr>
             <a:r>
-              <a:rPr>
-                <a:solidFill>
-                  <a:srgbClr val="333333"/>
-                </a:solidFill>
-              </a:rPr>
-              <a:t>    </a:t>
+              <a:t>    // nested Suit enumeration</a:t>
             </a:r>
-            <a:r>
-              <a:t>// nested Suit enumeration</a:t>
-            </a:r>
-            <a:endParaRPr>
-              <a:solidFill>
-                <a:srgbClr val="333333"/>
-              </a:solidFill>
-            </a:endParaRPr>
           </a:p>
           <a:p>
-            <a:pPr marL="457200" indent="-317500" defTabSz="457200">
+            <a:pPr marL="488950" indent="-349250" defTabSz="457200">
               <a:lnSpc>
-                <a:spcPts val="1400"/>
+                <a:spcPts val="1100"/>
               </a:lnSpc>
               <a:spcBef>
                 <a:spcPts val="0"/>
@@ -33243,77 +33202,24 @@
               <a:buSzPct val="100000"/>
               <a:buFont typeface="Menlo"/>
               <a:buChar char="•"/>
-              <a:defRPr b="0" sz="600">
+              <a:defRPr b="0" sz="800">
                 <a:solidFill>
                   <a:srgbClr val="5C2699"/>
                 </a:solidFill>
-                <a:latin typeface="Menlo"/>
-                <a:ea typeface="Menlo"/>
-                <a:cs typeface="Menlo"/>
-                <a:sym typeface="Menlo"/>
+                <a:latin typeface="Arial"/>
+                <a:ea typeface="Arial"/>
+                <a:cs typeface="Arial"/>
+                <a:sym typeface="Arial"/>
               </a:defRPr>
             </a:pPr>
             <a:r>
-              <a:rPr>
-                <a:solidFill>
-                  <a:srgbClr val="333333"/>
-                </a:solidFill>
-              </a:rPr>
-              <a:t>    </a:t>
+              <a:t>    enum Suit: Character {</a:t>
             </a:r>
-            <a:r>
-              <a:rPr>
-                <a:solidFill>
-                  <a:srgbClr val="AA0D91"/>
-                </a:solidFill>
-              </a:rPr>
-              <a:t>enum</a:t>
-            </a:r>
-            <a:r>
-              <a:rPr>
-                <a:solidFill>
-                  <a:srgbClr val="333333"/>
-                </a:solidFill>
-              </a:rPr>
-              <a:t> </a:t>
-            </a:r>
-            <a:r>
-              <a:rPr>
-                <a:solidFill>
-                  <a:srgbClr val="3F6E74"/>
-                </a:solidFill>
-              </a:rPr>
-              <a:t>Suit</a:t>
-            </a:r>
-            <a:r>
-              <a:rPr>
-                <a:solidFill>
-                  <a:srgbClr val="333333"/>
-                </a:solidFill>
-              </a:rPr>
-              <a:t>: </a:t>
-            </a:r>
-            <a:r>
-              <a:t>Character</a:t>
-            </a:r>
-            <a:r>
-              <a:rPr>
-                <a:solidFill>
-                  <a:srgbClr val="333333"/>
-                </a:solidFill>
-              </a:rPr>
-              <a:t> {</a:t>
-            </a:r>
-            <a:endParaRPr>
-              <a:solidFill>
-                <a:srgbClr val="333333"/>
-              </a:solidFill>
-            </a:endParaRPr>
           </a:p>
           <a:p>
-            <a:pPr marL="457200" indent="-317500" defTabSz="457200">
+            <a:pPr marL="488950" indent="-349250" defTabSz="457200">
               <a:lnSpc>
-                <a:spcPts val="1400"/>
+                <a:spcPts val="1100"/>
               </a:lnSpc>
               <a:spcBef>
                 <a:spcPts val="0"/>
@@ -33324,120 +33230,24 @@
               <a:buSzPct val="100000"/>
               <a:buFont typeface="Menlo"/>
               <a:buChar char="•"/>
-              <a:defRPr b="0" sz="600">
+              <a:defRPr b="0" sz="800">
                 <a:solidFill>
-                  <a:srgbClr val="333333"/>
+                  <a:srgbClr val="5C2699"/>
                 </a:solidFill>
-                <a:latin typeface="Menlo"/>
-                <a:ea typeface="Menlo"/>
-                <a:cs typeface="Menlo"/>
-                <a:sym typeface="Menlo"/>
+                <a:latin typeface="Arial"/>
+                <a:ea typeface="Arial"/>
+                <a:cs typeface="Arial"/>
+                <a:sym typeface="Arial"/>
               </a:defRPr>
             </a:pPr>
             <a:r>
               <a:t>        </a:t>
             </a:r>
-            <a:r>
-              <a:rPr>
-                <a:solidFill>
-                  <a:srgbClr val="AA0D91"/>
-                </a:solidFill>
-              </a:rPr>
-              <a:t>case</a:t>
-            </a:r>
-            <a:r>
-              <a:t> </a:t>
-            </a:r>
-            <a:r>
-              <a:rPr>
-                <a:solidFill>
-                  <a:srgbClr val="3F6E74"/>
-                </a:solidFill>
-              </a:rPr>
-              <a:t>spades</a:t>
-            </a:r>
-            <a:r>
-              <a:t> = </a:t>
-            </a:r>
-            <a:r>
-              <a:rPr>
-                <a:solidFill>
-                  <a:srgbClr val="C41A16"/>
-                </a:solidFill>
-              </a:rPr>
-              <a:t>"♠"</a:t>
-            </a:r>
-            <a:r>
-              <a:t>, </a:t>
-            </a:r>
-            <a:r>
-              <a:rPr>
-                <a:solidFill>
-                  <a:srgbClr val="3F6E74"/>
-                </a:solidFill>
-              </a:rPr>
-              <a:t>hearts</a:t>
-            </a:r>
-            <a:r>
-              <a:t> = </a:t>
-            </a:r>
-            <a:r>
-              <a:rPr>
-                <a:solidFill>
-                  <a:srgbClr val="C41A16"/>
-                </a:solidFill>
-              </a:rPr>
-              <a:t>"♡"</a:t>
-            </a:r>
-            <a:r>
-              <a:t>, </a:t>
-            </a:r>
-            <a:r>
-              <a:rPr>
-                <a:solidFill>
-                  <a:srgbClr val="3F6E74"/>
-                </a:solidFill>
-              </a:rPr>
-              <a:t>diamonds</a:t>
-            </a:r>
-            <a:r>
-              <a:t> = </a:t>
-            </a:r>
-            <a:r>
-              <a:rPr>
-                <a:solidFill>
-                  <a:srgbClr val="C41A16"/>
-                </a:solidFill>
-              </a:rPr>
-              <a:t>"♢"</a:t>
-            </a:r>
-            <a:r>
-              <a:t>, </a:t>
-            </a:r>
-            <a:r>
-              <a:rPr>
-                <a:solidFill>
-                  <a:srgbClr val="3F6E74"/>
-                </a:solidFill>
-              </a:rPr>
-              <a:t>clubs</a:t>
-            </a:r>
-            <a:r>
-              <a:t> = </a:t>
-            </a:r>
-            <a:r>
-              <a:rPr>
-                <a:solidFill>
-                  <a:srgbClr val="C41A16"/>
-                </a:solidFill>
-              </a:rPr>
-              <a:t>"♣"</a:t>
-            </a:r>
           </a:p>
           <a:p>
-            <a:pPr marL="457200" indent="-317500" defTabSz="457200">
+            <a:pPr marL="488950" indent="-349250" defTabSz="457200">
               <a:lnSpc>
-                <a:spcPts val="1400"/>
+                <a:spcPts val="1100"/>
               </a:lnSpc>
               <a:spcBef>
                 <a:spcPts val="0"/>
@@ -33448,24 +33258,24 @@
               <a:buSzPct val="100000"/>
               <a:buFont typeface="Menlo"/>
               <a:buChar char="•"/>
-              <a:defRPr b="0" sz="600">
+              <a:defRPr b="0" sz="800">
                 <a:solidFill>
-                  <a:srgbClr val="333333"/>
+                  <a:srgbClr val="5C2699"/>
                 </a:solidFill>
-                <a:latin typeface="Menlo"/>
-                <a:ea typeface="Menlo"/>
-                <a:cs typeface="Menlo"/>
-                <a:sym typeface="Menlo"/>
+                <a:latin typeface="Arial"/>
+                <a:ea typeface="Arial"/>
+                <a:cs typeface="Arial"/>
+                <a:sym typeface="Arial"/>
               </a:defRPr>
             </a:pPr>
             <a:r>
-              <a:t>    }</a:t>
+              <a:t>   }</a:t>
             </a:r>
           </a:p>
           <a:p>
-            <a:pPr marL="457200" indent="-317500" defTabSz="457200">
+            <a:pPr marL="488950" indent="-349250" defTabSz="457200">
               <a:lnSpc>
-                <a:spcPts val="1400"/>
+                <a:spcPts val="1100"/>
               </a:lnSpc>
               <a:spcBef>
                 <a:spcPts val="0"/>
@@ -33476,21 +33286,21 @@
               <a:buSzPct val="100000"/>
               <a:buFont typeface="Menlo"/>
               <a:buChar char="•"/>
-              <a:defRPr b="0" sz="600">
+              <a:defRPr b="0" sz="800">
                 <a:solidFill>
-                  <a:srgbClr val="333333"/>
+                  <a:srgbClr val="5C2699"/>
                 </a:solidFill>
-                <a:latin typeface="Menlo"/>
-                <a:ea typeface="Menlo"/>
-                <a:cs typeface="Menlo"/>
-                <a:sym typeface="Menlo"/>
+                <a:latin typeface="Arial"/>
+                <a:ea typeface="Arial"/>
+                <a:cs typeface="Arial"/>
+                <a:sym typeface="Arial"/>
               </a:defRPr>
             </a:pPr>
           </a:p>
           <a:p>
-            <a:pPr marL="457200" indent="-317500" defTabSz="457200">
+            <a:pPr marL="488950" indent="-349250" defTabSz="457200">
               <a:lnSpc>
-                <a:spcPts val="1400"/>
+                <a:spcPts val="1100"/>
               </a:lnSpc>
               <a:spcBef>
                 <a:spcPts val="0"/>
@@ -33501,37 +33311,24 @@
               <a:buSzPct val="100000"/>
               <a:buFont typeface="Menlo"/>
               <a:buChar char="•"/>
-              <a:defRPr b="0" sz="600">
+              <a:defRPr b="0" sz="800">
                 <a:solidFill>
-                  <a:srgbClr val="007400"/>
+                  <a:srgbClr val="5C2699"/>
                 </a:solidFill>
-                <a:latin typeface="Menlo"/>
-                <a:ea typeface="Menlo"/>
-                <a:cs typeface="Menlo"/>
-                <a:sym typeface="Menlo"/>
+                <a:latin typeface="Arial"/>
+                <a:ea typeface="Arial"/>
+                <a:cs typeface="Arial"/>
+                <a:sym typeface="Arial"/>
               </a:defRPr>
             </a:pPr>
             <a:r>
-              <a:rPr>
-                <a:solidFill>
-                  <a:srgbClr val="333333"/>
-                </a:solidFill>
-              </a:rPr>
-              <a:t>    </a:t>
+              <a:t>    // nested Rank enumeration</a:t>
             </a:r>
-            <a:r>
-              <a:t>// nested Rank enumeration</a:t>
-            </a:r>
-            <a:endParaRPr>
-              <a:solidFill>
-                <a:srgbClr val="333333"/>
-              </a:solidFill>
-            </a:endParaRPr>
           </a:p>
           <a:p>
-            <a:pPr marL="457200" indent="-317500" defTabSz="457200">
+            <a:pPr marL="488950" indent="-349250" defTabSz="457200">
               <a:lnSpc>
-                <a:spcPts val="1400"/>
+                <a:spcPts val="1100"/>
               </a:lnSpc>
               <a:spcBef>
                 <a:spcPts val="0"/>
@@ -33542,57 +33339,24 @@
               <a:buSzPct val="100000"/>
               <a:buFont typeface="Menlo"/>
               <a:buChar char="•"/>
-              <a:defRPr b="0" sz="600">
+              <a:defRPr b="0" sz="800">
                 <a:solidFill>
-                  <a:srgbClr val="333333"/>
+                  <a:srgbClr val="5C2699"/>
                 </a:solidFill>
-                <a:latin typeface="Menlo"/>
-                <a:ea typeface="Menlo"/>
-                <a:cs typeface="Menlo"/>
-                <a:sym typeface="Menlo"/>
+                <a:latin typeface="Arial"/>
+                <a:ea typeface="Arial"/>
+                <a:cs typeface="Arial"/>
+                <a:sym typeface="Arial"/>
               </a:defRPr>
             </a:pPr>
             <a:r>
-              <a:t>    </a:t>
-            </a:r>
-            <a:r>
-              <a:rPr>
-                <a:solidFill>
-                  <a:srgbClr val="AA0D91"/>
-                </a:solidFill>
-              </a:rPr>
-              <a:t>enum</a:t>
-            </a:r>
-            <a:r>
-              <a:t> </a:t>
-            </a:r>
-            <a:r>
-              <a:rPr>
-                <a:solidFill>
-                  <a:srgbClr val="3F6E74"/>
-                </a:solidFill>
-              </a:rPr>
-              <a:t>Rank</a:t>
-            </a:r>
-            <a:r>
-              <a:t>: </a:t>
-            </a:r>
-            <a:r>
-              <a:rPr>
-                <a:solidFill>
-                  <a:srgbClr val="5C2699"/>
-                </a:solidFill>
-              </a:rPr>
-              <a:t>Int</a:t>
-            </a:r>
-            <a:r>
-              <a:t> {</a:t>
+              <a:t>    enum Rank: Int {</a:t>
             </a:r>
           </a:p>
           <a:p>
-            <a:pPr marL="457200" indent="-317500" defTabSz="457200">
+            <a:pPr marL="488950" indent="-349250" defTabSz="457200">
               <a:lnSpc>
-                <a:spcPts val="1400"/>
+                <a:spcPts val="1100"/>
               </a:lnSpc>
               <a:spcBef>
                 <a:spcPts val="0"/>
@@ -33603,142 +33367,24 @@
               <a:buSzPct val="100000"/>
               <a:buFont typeface="Menlo"/>
               <a:buChar char="•"/>
-              <a:defRPr b="0" sz="600">
+              <a:defRPr b="0" sz="800">
                 <a:solidFill>
-                  <a:srgbClr val="333333"/>
+                  <a:srgbClr val="5C2699"/>
                 </a:solidFill>
-                <a:latin typeface="Menlo"/>
-                <a:ea typeface="Menlo"/>
-                <a:cs typeface="Menlo"/>
-                <a:sym typeface="Menlo"/>
+                <a:latin typeface="Arial"/>
+                <a:ea typeface="Arial"/>
+                <a:cs typeface="Arial"/>
+                <a:sym typeface="Arial"/>
               </a:defRPr>
             </a:pPr>
             <a:r>
-              <a:t>        </a:t>
-            </a:r>
-            <a:r>
-              <a:rPr>
-                <a:solidFill>
-                  <a:srgbClr val="AA0D91"/>
-                </a:solidFill>
-              </a:rPr>
-              <a:t>case</a:t>
-            </a:r>
-            <a:r>
-              <a:t> </a:t>
-            </a:r>
-            <a:r>
-              <a:rPr>
-                <a:solidFill>
-                  <a:srgbClr val="3F6E74"/>
-                </a:solidFill>
-              </a:rPr>
-              <a:t>two</a:t>
-            </a:r>
-            <a:r>
-              <a:t> = </a:t>
-            </a:r>
-            <a:r>
-              <a:rPr>
-                <a:solidFill>
-                  <a:srgbClr val="1C00CF"/>
-                </a:solidFill>
-              </a:rPr>
-              <a:t>2</a:t>
-            </a:r>
-            <a:r>
-              <a:t>, </a:t>
-            </a:r>
-            <a:r>
-              <a:rPr>
-                <a:solidFill>
-                  <a:srgbClr val="3F6E74"/>
-                </a:solidFill>
-              </a:rPr>
-              <a:t>three</a:t>
-            </a:r>
-            <a:r>
-              <a:t>, </a:t>
-            </a:r>
-            <a:r>
-              <a:rPr>
-                <a:solidFill>
-                  <a:srgbClr val="3F6E74"/>
-                </a:solidFill>
-              </a:rPr>
-              <a:t>four</a:t>
-            </a:r>
-            <a:r>
-              <a:t>, </a:t>
-            </a:r>
-            <a:r>
-              <a:rPr>
-                <a:solidFill>
-                  <a:srgbClr val="3F6E74"/>
-                </a:solidFill>
-              </a:rPr>
-              <a:t>five</a:t>
-            </a:r>
-            <a:r>
-              <a:t>, </a:t>
-            </a:r>
-            <a:r>
-              <a:rPr>
-                <a:solidFill>
-                  <a:srgbClr val="3F6E74"/>
-                </a:solidFill>
-              </a:rPr>
-              <a:t>six</a:t>
-            </a:r>
-            <a:r>
-              <a:t>, </a:t>
-            </a:r>
-            <a:r>
-              <a:rPr>
-                <a:solidFill>
-                  <a:srgbClr val="3F6E74"/>
-                </a:solidFill>
-              </a:rPr>
-              <a:t>seven</a:t>
-            </a:r>
-            <a:r>
-              <a:t>, </a:t>
-            </a:r>
-            <a:r>
-              <a:rPr>
-                <a:solidFill>
-                  <a:srgbClr val="3F6E74"/>
-                </a:solidFill>
-              </a:rPr>
-              <a:t>eight</a:t>
-            </a:r>
-            <a:r>
-              <a:t>, </a:t>
-            </a:r>
-            <a:r>
-              <a:rPr>
-                <a:solidFill>
-                  <a:srgbClr val="3F6E74"/>
-                </a:solidFill>
-              </a:rPr>
-              <a:t>nine</a:t>
-            </a:r>
-            <a:r>
-              <a:t>, </a:t>
-            </a:r>
-            <a:r>
-              <a:rPr>
-                <a:solidFill>
-                  <a:srgbClr val="3F6E74"/>
-                </a:solidFill>
-              </a:rPr>
-              <a:t>ten</a:t>
+              <a:t>        case two = 2, three, four, five, six, seven, eight, nine, ten</a:t>
             </a:r>
           </a:p>
           <a:p>
-            <a:pPr marL="457200" indent="-317500" defTabSz="457200">
+            <a:pPr marL="488950" indent="-349250" defTabSz="457200">
               <a:lnSpc>
-                <a:spcPts val="1400"/>
+                <a:spcPts val="1100"/>
               </a:lnSpc>
               <a:spcBef>
                 <a:spcPts val="0"/>
@@ -33749,76 +33395,24 @@
               <a:buSzPct val="100000"/>
               <a:buFont typeface="Menlo"/>
               <a:buChar char="•"/>
-              <a:defRPr b="0" sz="600">
+              <a:defRPr b="0" sz="800">
                 <a:solidFill>
-                  <a:srgbClr val="333333"/>
+                  <a:srgbClr val="5C2699"/>
                 </a:solidFill>
-                <a:latin typeface="Menlo"/>
-                <a:ea typeface="Menlo"/>
-                <a:cs typeface="Menlo"/>
-                <a:sym typeface="Menlo"/>
+                <a:latin typeface="Arial"/>
+                <a:ea typeface="Arial"/>
+                <a:cs typeface="Arial"/>
+                <a:sym typeface="Arial"/>
               </a:defRPr>
             </a:pPr>
             <a:r>
-              <a:t>        </a:t>
-            </a:r>
-            <a:r>
-              <a:rPr>
-                <a:solidFill>
-                  <a:srgbClr val="AA0D91"/>
-                </a:solidFill>
-              </a:rPr>
-              <a:t>case</a:t>
-            </a:r>
-            <a:r>
-              <a:t> </a:t>
-            </a:r>
-            <a:r>
-              <a:rPr>
-                <a:solidFill>
-                  <a:srgbClr val="3F6E74"/>
-                </a:solidFill>
-              </a:rPr>
-              <a:t>jack</a:t>
-            </a:r>
-            <a:r>
-              <a:t>, </a:t>
-            </a:r>
-            <a:r>
-              <a:rPr>
-                <a:solidFill>
-                  <a:srgbClr val="3F6E74"/>
-                </a:solidFill>
-              </a:rPr>
-              <a:t>queen</a:t>
-            </a:r>
-            <a:r>
-              <a:t>, </a:t>
-            </a:r>
-            <a:r>
-              <a:rPr>
-                <a:solidFill>
-                  <a:srgbClr val="3F6E74"/>
-                </a:solidFill>
-              </a:rPr>
-              <a:t>king</a:t>
-            </a:r>
-            <a:r>
-              <a:t>, </a:t>
-            </a:r>
-            <a:r>
-              <a:rPr>
-                <a:solidFill>
-                  <a:srgbClr val="3F6E74"/>
-                </a:solidFill>
-              </a:rPr>
-              <a:t>ace</a:t>
+              <a:t>        case jack, queen, king, ace</a:t>
             </a:r>
           </a:p>
           <a:p>
-            <a:pPr marL="457200" indent="-317500" defTabSz="457200">
+            <a:pPr marL="488950" indent="-349250" defTabSz="457200">
               <a:lnSpc>
-                <a:spcPts val="1400"/>
+                <a:spcPts val="1100"/>
               </a:lnSpc>
               <a:spcBef>
                 <a:spcPts val="0"/>
@@ -33829,46 +33423,24 @@
               <a:buSzPct val="100000"/>
               <a:buFont typeface="Menlo"/>
               <a:buChar char="•"/>
-              <a:defRPr b="0" sz="600">
+              <a:defRPr b="0" sz="800">
                 <a:solidFill>
-                  <a:srgbClr val="333333"/>
+                  <a:srgbClr val="5C2699"/>
                 </a:solidFill>
-                <a:latin typeface="Menlo"/>
-                <a:ea typeface="Menlo"/>
-                <a:cs typeface="Menlo"/>
-                <a:sym typeface="Menlo"/>
+                <a:latin typeface="Arial"/>
+                <a:ea typeface="Arial"/>
+                <a:cs typeface="Arial"/>
+                <a:sym typeface="Arial"/>
               </a:defRPr>
             </a:pPr>
             <a:r>
-              <a:t>        </a:t>
-            </a:r>
-            <a:r>
-              <a:rPr>
-                <a:solidFill>
-                  <a:srgbClr val="AA0D91"/>
-                </a:solidFill>
-              </a:rPr>
-              <a:t>struct</a:t>
-            </a:r>
-            <a:r>
-              <a:t> </a:t>
-            </a:r>
-            <a:r>
-              <a:rPr>
-                <a:solidFill>
-                  <a:srgbClr val="3F6E74"/>
-                </a:solidFill>
-              </a:rPr>
-              <a:t>Values</a:t>
-            </a:r>
-            <a:r>
-              <a:t> {</a:t>
+              <a:t>        struct Values {</a:t>
             </a:r>
           </a:p>
           <a:p>
-            <a:pPr marL="457200" indent="-317500" defTabSz="457200">
+            <a:pPr marL="488950" indent="-349250" defTabSz="457200">
               <a:lnSpc>
-                <a:spcPts val="1400"/>
+                <a:spcPts val="1100"/>
               </a:lnSpc>
               <a:spcBef>
                 <a:spcPts val="0"/>
@@ -33879,79 +33451,24 @@
               <a:buSzPct val="100000"/>
               <a:buFont typeface="Menlo"/>
               <a:buChar char="•"/>
-              <a:defRPr b="0" sz="600">
+              <a:defRPr b="0" sz="800">
                 <a:solidFill>
-                  <a:srgbClr val="333333"/>
+                  <a:srgbClr val="5C2699"/>
                 </a:solidFill>
-                <a:latin typeface="Menlo"/>
-                <a:ea typeface="Menlo"/>
-                <a:cs typeface="Menlo"/>
-                <a:sym typeface="Menlo"/>
+                <a:latin typeface="Arial"/>
+                <a:ea typeface="Arial"/>
+                <a:cs typeface="Arial"/>
+                <a:sym typeface="Arial"/>
               </a:defRPr>
             </a:pPr>
             <a:r>
-              <a:t>            </a:t>
-            </a:r>
-            <a:r>
-              <a:rPr>
-                <a:solidFill>
-                  <a:srgbClr val="AA0D91"/>
-                </a:solidFill>
-              </a:rPr>
-              <a:t>let</a:t>
-            </a:r>
-            <a:r>
-              <a:t> </a:t>
-            </a:r>
-            <a:r>
-              <a:rPr>
-                <a:solidFill>
-                  <a:srgbClr val="3F6E74"/>
-                </a:solidFill>
-              </a:rPr>
-              <a:t>first</a:t>
-            </a:r>
-            <a:r>
-              <a:t>: </a:t>
-            </a:r>
-            <a:r>
-              <a:rPr>
-                <a:solidFill>
-                  <a:srgbClr val="5C2699"/>
-                </a:solidFill>
-              </a:rPr>
-              <a:t>Int</a:t>
-            </a:r>
-            <a:r>
-              <a:t>, </a:t>
-            </a:r>
-            <a:r>
-              <a:rPr>
-                <a:solidFill>
-                  <a:srgbClr val="3F6E74"/>
-                </a:solidFill>
-              </a:rPr>
-              <a:t>second</a:t>
-            </a:r>
-            <a:r>
-              <a:t>: </a:t>
-            </a:r>
-            <a:r>
-              <a:rPr>
-                <a:solidFill>
-                  <a:srgbClr val="5C2699"/>
-                </a:solidFill>
-              </a:rPr>
-              <a:t>Int</a:t>
-            </a:r>
-            <a:r>
-              <a:t>?</a:t>
+              <a:t>            let first: Int, second: Int?</a:t>
             </a:r>
           </a:p>
           <a:p>
-            <a:pPr marL="457200" indent="-317500" defTabSz="457200">
+            <a:pPr marL="488950" indent="-349250" defTabSz="457200">
               <a:lnSpc>
-                <a:spcPts val="1400"/>
+                <a:spcPts val="1100"/>
               </a:lnSpc>
               <a:spcBef>
                 <a:spcPts val="0"/>
@@ -33962,14 +33479,14 @@
               <a:buSzPct val="100000"/>
               <a:buFont typeface="Menlo"/>
               <a:buChar char="•"/>
-              <a:defRPr b="0" sz="600">
+              <a:defRPr b="0" sz="800">
                 <a:solidFill>
-                  <a:srgbClr val="333333"/>
+                  <a:srgbClr val="5C2699"/>
                 </a:solidFill>
-                <a:latin typeface="Menlo"/>
-                <a:ea typeface="Menlo"/>
-                <a:cs typeface="Menlo"/>
-                <a:sym typeface="Menlo"/>
+                <a:latin typeface="Arial"/>
+                <a:ea typeface="Arial"/>
+                <a:cs typeface="Arial"/>
+                <a:sym typeface="Arial"/>
               </a:defRPr>
             </a:pPr>
             <a:r>
@@ -33977,9 +33494,9 @@
             </a:r>
           </a:p>
           <a:p>
-            <a:pPr marL="457200" indent="-317500" defTabSz="457200">
+            <a:pPr marL="488950" indent="-349250" defTabSz="457200">
               <a:lnSpc>
-                <a:spcPts val="1400"/>
+                <a:spcPts val="1100"/>
               </a:lnSpc>
               <a:spcBef>
                 <a:spcPts val="0"/>
@@ -33990,57 +33507,24 @@
               <a:buSzPct val="100000"/>
               <a:buFont typeface="Menlo"/>
               <a:buChar char="•"/>
-              <a:defRPr b="0" sz="600">
+              <a:defRPr b="0" sz="800">
                 <a:solidFill>
-                  <a:srgbClr val="333333"/>
+                  <a:srgbClr val="5C2699"/>
                 </a:solidFill>
-                <a:latin typeface="Menlo"/>
-                <a:ea typeface="Menlo"/>
-                <a:cs typeface="Menlo"/>
-                <a:sym typeface="Menlo"/>
+                <a:latin typeface="Arial"/>
+                <a:ea typeface="Arial"/>
+                <a:cs typeface="Arial"/>
+                <a:sym typeface="Arial"/>
               </a:defRPr>
             </a:pPr>
             <a:r>
-              <a:t>        </a:t>
-            </a:r>
-            <a:r>
-              <a:rPr>
-                <a:solidFill>
-                  <a:srgbClr val="AA0D91"/>
-                </a:solidFill>
-              </a:rPr>
-              <a:t>var</a:t>
-            </a:r>
-            <a:r>
-              <a:t> </a:t>
-            </a:r>
-            <a:r>
-              <a:rPr>
-                <a:solidFill>
-                  <a:srgbClr val="3F6E74"/>
-                </a:solidFill>
-              </a:rPr>
-              <a:t>values</a:t>
-            </a:r>
-            <a:r>
-              <a:t>: </a:t>
-            </a:r>
-            <a:r>
-              <a:rPr>
-                <a:solidFill>
-                  <a:srgbClr val="5C2699"/>
-                </a:solidFill>
-              </a:rPr>
-              <a:t>Values</a:t>
-            </a:r>
-            <a:r>
-              <a:t> {</a:t>
+              <a:t>        var values: Values {</a:t>
             </a:r>
           </a:p>
           <a:p>
-            <a:pPr marL="457200" indent="-317500" defTabSz="457200">
+            <a:pPr marL="488950" indent="-349250" defTabSz="457200">
               <a:lnSpc>
-                <a:spcPts val="1400"/>
+                <a:spcPts val="1100"/>
               </a:lnSpc>
               <a:spcBef>
                 <a:spcPts val="0"/>
@@ -34051,46 +33535,24 @@
               <a:buSzPct val="100000"/>
               <a:buFont typeface="Menlo"/>
               <a:buChar char="•"/>
-              <a:defRPr b="0" sz="600">
+              <a:defRPr b="0" sz="800">
                 <a:solidFill>
-                  <a:srgbClr val="333333"/>
+                  <a:srgbClr val="5C2699"/>
                 </a:solidFill>
-                <a:latin typeface="Menlo"/>
-                <a:ea typeface="Menlo"/>
-                <a:cs typeface="Menlo"/>
-                <a:sym typeface="Menlo"/>
+                <a:latin typeface="Arial"/>
+                <a:ea typeface="Arial"/>
+                <a:cs typeface="Arial"/>
+                <a:sym typeface="Arial"/>
               </a:defRPr>
             </a:pPr>
             <a:r>
-              <a:t>            </a:t>
-            </a:r>
-            <a:r>
-              <a:rPr>
-                <a:solidFill>
-                  <a:srgbClr val="AA0D91"/>
-                </a:solidFill>
-              </a:rPr>
-              <a:t>switch</a:t>
-            </a:r>
-            <a:r>
-              <a:t> </a:t>
-            </a:r>
-            <a:r>
-              <a:rPr>
-                <a:solidFill>
-                  <a:srgbClr val="AA0D91"/>
-                </a:solidFill>
-              </a:rPr>
-              <a:t>self</a:t>
-            </a:r>
-            <a:r>
-              <a:t> {</a:t>
+              <a:t>            switch self {</a:t>
             </a:r>
           </a:p>
           <a:p>
-            <a:pPr marL="457200" indent="-317500" defTabSz="457200">
+            <a:pPr marL="488950" indent="-349250" defTabSz="457200">
               <a:lnSpc>
-                <a:spcPts val="1400"/>
+                <a:spcPts val="1100"/>
               </a:lnSpc>
               <a:spcBef>
                 <a:spcPts val="0"/>
@@ -34101,46 +33563,24 @@
               <a:buSzPct val="100000"/>
               <a:buFont typeface="Menlo"/>
               <a:buChar char="•"/>
-              <a:defRPr b="0" sz="600">
+              <a:defRPr b="0" sz="800">
                 <a:solidFill>
-                  <a:srgbClr val="333333"/>
+                  <a:srgbClr val="5C2699"/>
                 </a:solidFill>
-                <a:latin typeface="Menlo"/>
-                <a:ea typeface="Menlo"/>
-                <a:cs typeface="Menlo"/>
-                <a:sym typeface="Menlo"/>
+                <a:latin typeface="Arial"/>
+                <a:ea typeface="Arial"/>
+                <a:cs typeface="Arial"/>
+                <a:sym typeface="Arial"/>
               </a:defRPr>
             </a:pPr>
             <a:r>
-              <a:t>            </a:t>
-            </a:r>
-            <a:r>
-              <a:rPr>
-                <a:solidFill>
-                  <a:srgbClr val="AA0D91"/>
-                </a:solidFill>
-              </a:rPr>
-              <a:t>case</a:t>
-            </a:r>
-            <a:r>
-              <a:t> .</a:t>
-            </a:r>
-            <a:r>
-              <a:rPr>
-                <a:solidFill>
-                  <a:srgbClr val="3F6E74"/>
-                </a:solidFill>
-              </a:rPr>
-              <a:t>ace</a:t>
-            </a:r>
-            <a:r>
-              <a:t>:</a:t>
+              <a:t>            case .ace:</a:t>
             </a:r>
           </a:p>
           <a:p>
-            <a:pPr marL="457200" indent="-317500" defTabSz="457200">
+            <a:pPr marL="488950" indent="-349250" defTabSz="457200">
               <a:lnSpc>
-                <a:spcPts val="1400"/>
+                <a:spcPts val="1100"/>
               </a:lnSpc>
               <a:spcBef>
                 <a:spcPts val="0"/>
@@ -34151,90 +33591,24 @@
               <a:buSzPct val="100000"/>
               <a:buFont typeface="Menlo"/>
               <a:buChar char="•"/>
-              <a:defRPr b="0" sz="600">
+              <a:defRPr b="0" sz="800">
                 <a:solidFill>
-                  <a:srgbClr val="333333"/>
+                  <a:srgbClr val="5C2699"/>
                 </a:solidFill>
-                <a:latin typeface="Menlo"/>
-                <a:ea typeface="Menlo"/>
-                <a:cs typeface="Menlo"/>
-                <a:sym typeface="Menlo"/>
+                <a:latin typeface="Arial"/>
+                <a:ea typeface="Arial"/>
+                <a:cs typeface="Arial"/>
+                <a:sym typeface="Arial"/>
               </a:defRPr>
             </a:pPr>
             <a:r>
-              <a:t>                </a:t>
-            </a:r>
-            <a:r>
-              <a:rPr>
-                <a:solidFill>
-                  <a:srgbClr val="AA0D91"/>
-                </a:solidFill>
-              </a:rPr>
-              <a:t>return</a:t>
-            </a:r>
-            <a:r>
-              <a:t> </a:t>
-            </a:r>
-            <a:r>
-              <a:rPr>
-                <a:solidFill>
-                  <a:srgbClr val="3F6E74"/>
-                </a:solidFill>
-              </a:rPr>
-              <a:t>Values</a:t>
-            </a:r>
-            <a:r>
-              <a:t>(</a:t>
-            </a:r>
-            <a:r>
-              <a:rPr>
-                <a:solidFill>
-                  <a:srgbClr val="3F6E74"/>
-                </a:solidFill>
-              </a:rPr>
-              <a:t>first</a:t>
-            </a:r>
-            <a:r>
-              <a:t>: </a:t>
-            </a:r>
-            <a:r>
-              <a:rPr>
-                <a:solidFill>
-                  <a:srgbClr val="1C00CF"/>
-                </a:solidFill>
-              </a:rPr>
-              <a:t>1</a:t>
-            </a:r>
-            <a:r>
-              <a:t>, </a:t>
-            </a:r>
-            <a:r>
-              <a:rPr>
-                <a:solidFill>
-                  <a:srgbClr val="3F6E74"/>
-                </a:solidFill>
-              </a:rPr>
-              <a:t>second</a:t>
-            </a:r>
-            <a:r>
-              <a:t>: </a:t>
-            </a:r>
-            <a:r>
-              <a:rPr>
-                <a:solidFill>
-                  <a:srgbClr val="1C00CF"/>
-                </a:solidFill>
-              </a:rPr>
-              <a:t>11</a:t>
-            </a:r>
-            <a:r>
-              <a:t>)</a:t>
+              <a:t>                return Values(first: 1, second: 11)</a:t>
             </a:r>
           </a:p>
           <a:p>
-            <a:pPr marL="457200" indent="-317500" defTabSz="457200">
+            <a:pPr marL="488950" indent="-349250" defTabSz="457200">
               <a:lnSpc>
-                <a:spcPts val="1400"/>
+                <a:spcPts val="1100"/>
               </a:lnSpc>
               <a:spcBef>
                 <a:spcPts val="0"/>
@@ -34245,68 +33619,24 @@
               <a:buSzPct val="100000"/>
               <a:buFont typeface="Menlo"/>
               <a:buChar char="•"/>
-              <a:defRPr b="0" sz="600">
+              <a:defRPr b="0" sz="800">
                 <a:solidFill>
-                  <a:srgbClr val="333333"/>
+                  <a:srgbClr val="5C2699"/>
                 </a:solidFill>
-                <a:latin typeface="Menlo"/>
-                <a:ea typeface="Menlo"/>
-                <a:cs typeface="Menlo"/>
-                <a:sym typeface="Menlo"/>
+                <a:latin typeface="Arial"/>
+                <a:ea typeface="Arial"/>
+                <a:cs typeface="Arial"/>
+                <a:sym typeface="Arial"/>
               </a:defRPr>
             </a:pPr>
             <a:r>
-              <a:t>            </a:t>
-            </a:r>
-            <a:r>
-              <a:rPr>
-                <a:solidFill>
-                  <a:srgbClr val="AA0D91"/>
-                </a:solidFill>
-              </a:rPr>
-              <a:t>case</a:t>
-            </a:r>
-            <a:r>
-              <a:t> .</a:t>
-            </a:r>
-            <a:r>
-              <a:rPr>
-                <a:solidFill>
-                  <a:srgbClr val="3F6E74"/>
-                </a:solidFill>
-              </a:rPr>
-              <a:t>jack</a:t>
-            </a:r>
-            <a:r>
-              <a:t>, .</a:t>
-            </a:r>
-            <a:r>
-              <a:rPr>
-                <a:solidFill>
-                  <a:srgbClr val="3F6E74"/>
-                </a:solidFill>
-              </a:rPr>
-              <a:t>queen</a:t>
-            </a:r>
-            <a:r>
-              <a:t>, .</a:t>
-            </a:r>
-            <a:r>
-              <a:rPr>
-                <a:solidFill>
-                  <a:srgbClr val="3F6E74"/>
-                </a:solidFill>
-              </a:rPr>
-              <a:t>king</a:t>
-            </a:r>
-            <a:r>
-              <a:t>:</a:t>
+              <a:t>            case .jack, .queen, .king:</a:t>
             </a:r>
           </a:p>
           <a:p>
-            <a:pPr marL="457200" indent="-317500" defTabSz="457200">
+            <a:pPr marL="488950" indent="-349250" defTabSz="457200">
               <a:lnSpc>
-                <a:spcPts val="1400"/>
+                <a:spcPts val="1100"/>
               </a:lnSpc>
               <a:spcBef>
                 <a:spcPts val="0"/>
@@ -34317,90 +33647,24 @@
               <a:buSzPct val="100000"/>
               <a:buFont typeface="Menlo"/>
               <a:buChar char="•"/>
-              <a:defRPr b="0" sz="600">
+              <a:defRPr b="0" sz="800">
                 <a:solidFill>
-                  <a:srgbClr val="333333"/>
+                  <a:srgbClr val="5C2699"/>
                 </a:solidFill>
-                <a:latin typeface="Menlo"/>
-                <a:ea typeface="Menlo"/>
-                <a:cs typeface="Menlo"/>
-                <a:sym typeface="Menlo"/>
+                <a:latin typeface="Arial"/>
+                <a:ea typeface="Arial"/>
+                <a:cs typeface="Arial"/>
+                <a:sym typeface="Arial"/>
               </a:defRPr>
             </a:pPr>
             <a:r>
-              <a:t>                </a:t>
-            </a:r>
-            <a:r>
-              <a:rPr>
-                <a:solidFill>
-                  <a:srgbClr val="AA0D91"/>
-                </a:solidFill>
-              </a:rPr>
-              <a:t>return</a:t>
-            </a:r>
-            <a:r>
-              <a:t> </a:t>
-            </a:r>
-            <a:r>
-              <a:rPr>
-                <a:solidFill>
-                  <a:srgbClr val="3F6E74"/>
-                </a:solidFill>
-              </a:rPr>
-              <a:t>Values</a:t>
-            </a:r>
-            <a:r>
-              <a:t>(</a:t>
-            </a:r>
-            <a:r>
-              <a:rPr>
-                <a:solidFill>
-                  <a:srgbClr val="3F6E74"/>
-                </a:solidFill>
-              </a:rPr>
-              <a:t>first</a:t>
-            </a:r>
-            <a:r>
-              <a:t>: </a:t>
-            </a:r>
-            <a:r>
-              <a:rPr>
-                <a:solidFill>
-                  <a:srgbClr val="1C00CF"/>
-                </a:solidFill>
-              </a:rPr>
-              <a:t>10</a:t>
-            </a:r>
-            <a:r>
-              <a:t>, </a:t>
-            </a:r>
-            <a:r>
-              <a:rPr>
-                <a:solidFill>
-                  <a:srgbClr val="3F6E74"/>
-                </a:solidFill>
-              </a:rPr>
-              <a:t>second</a:t>
-            </a:r>
-            <a:r>
-              <a:t>: </a:t>
-            </a:r>
-            <a:r>
-              <a:rPr>
-                <a:solidFill>
-                  <a:srgbClr val="AA0D91"/>
-                </a:solidFill>
-              </a:rPr>
-              <a:t>nil</a:t>
-            </a:r>
-            <a:r>
-              <a:t>)</a:t>
+              <a:t>                return Values(first: 10, second: nil)</a:t>
             </a:r>
           </a:p>
           <a:p>
-            <a:pPr marL="457200" indent="-317500" defTabSz="457200">
+            <a:pPr marL="488950" indent="-349250" defTabSz="457200">
               <a:lnSpc>
-                <a:spcPts val="1400"/>
+                <a:spcPts val="1100"/>
               </a:lnSpc>
               <a:spcBef>
                 <a:spcPts val="0"/>
@@ -34411,35 +33675,24 @@
               <a:buSzPct val="100000"/>
               <a:buFont typeface="Menlo"/>
               <a:buChar char="•"/>
-              <a:defRPr b="0" sz="600">
+              <a:defRPr b="0" sz="800">
                 <a:solidFill>
-                  <a:srgbClr val="333333"/>
+                  <a:srgbClr val="5C2699"/>
                 </a:solidFill>
-                <a:latin typeface="Menlo"/>
-                <a:ea typeface="Menlo"/>
-                <a:cs typeface="Menlo"/>
-                <a:sym typeface="Menlo"/>
+                <a:latin typeface="Arial"/>
+                <a:ea typeface="Arial"/>
+                <a:cs typeface="Arial"/>
+                <a:sym typeface="Arial"/>
               </a:defRPr>
             </a:pPr>
             <a:r>
-              <a:t>            </a:t>
-            </a:r>
-            <a:r>
-              <a:rPr>
-                <a:solidFill>
-                  <a:srgbClr val="AA0D91"/>
-                </a:solidFill>
-              </a:rPr>
-              <a:t>default</a:t>
-            </a:r>
-            <a:r>
-              <a:t>:</a:t>
+              <a:t>            default:</a:t>
             </a:r>
           </a:p>
           <a:p>
-            <a:pPr marL="457200" indent="-317500" defTabSz="457200">
+            <a:pPr marL="488950" indent="-349250" defTabSz="457200">
               <a:lnSpc>
-                <a:spcPts val="1400"/>
+                <a:spcPts val="1100"/>
               </a:lnSpc>
               <a:spcBef>
                 <a:spcPts val="0"/>
@@ -34450,101 +33703,24 @@
               <a:buSzPct val="100000"/>
               <a:buFont typeface="Menlo"/>
               <a:buChar char="•"/>
-              <a:defRPr b="0" sz="600">
+              <a:defRPr b="0" sz="800">
                 <a:solidFill>
-                  <a:srgbClr val="333333"/>
+                  <a:srgbClr val="5C2699"/>
                 </a:solidFill>
-                <a:latin typeface="Menlo"/>
-                <a:ea typeface="Menlo"/>
-                <a:cs typeface="Menlo"/>
-                <a:sym typeface="Menlo"/>
+                <a:latin typeface="Arial"/>
+                <a:ea typeface="Arial"/>
+                <a:cs typeface="Arial"/>
+                <a:sym typeface="Arial"/>
               </a:defRPr>
             </a:pPr>
             <a:r>
-              <a:t>                </a:t>
-            </a:r>
-            <a:r>
-              <a:rPr>
-                <a:solidFill>
-                  <a:srgbClr val="AA0D91"/>
-                </a:solidFill>
-              </a:rPr>
-              <a:t>return</a:t>
-            </a:r>
-            <a:r>
-              <a:t> </a:t>
-            </a:r>
-            <a:r>
-              <a:rPr>
-                <a:solidFill>
-                  <a:srgbClr val="3F6E74"/>
-                </a:solidFill>
-              </a:rPr>
-              <a:t>Values</a:t>
-            </a:r>
-            <a:r>
-              <a:t>(</a:t>
-            </a:r>
-            <a:r>
-              <a:rPr>
-                <a:solidFill>
-                  <a:srgbClr val="3F6E74"/>
-                </a:solidFill>
-              </a:rPr>
-              <a:t>first</a:t>
-            </a:r>
-            <a:r>
-              <a:t>: </a:t>
-            </a:r>
-            <a:r>
-              <a:rPr>
-                <a:solidFill>
-                  <a:srgbClr val="AA0D91"/>
-                </a:solidFill>
-              </a:rPr>
-              <a:t>self</a:t>
-            </a:r>
-            <a:r>
-              <a:t>.</a:t>
-            </a:r>
-            <a:r>
-              <a:rPr>
-                <a:solidFill>
-                  <a:srgbClr val="3F6E74"/>
-                </a:solidFill>
-              </a:rPr>
-              <a:t>rawValue</a:t>
-            </a:r>
-            <a:r>
-              <a:t>, </a:t>
-            </a:r>
-            <a:r>
-              <a:rPr>
-                <a:solidFill>
-                  <a:srgbClr val="3F6E74"/>
-                </a:solidFill>
-              </a:rPr>
-              <a:t>second</a:t>
-            </a:r>
-            <a:r>
-              <a:t>: </a:t>
-            </a:r>
-            <a:r>
-              <a:rPr>
-                <a:solidFill>
-                  <a:srgbClr val="AA0D91"/>
-                </a:solidFill>
-              </a:rPr>
-              <a:t>nil</a:t>
-            </a:r>
-            <a:r>
-              <a:t>)</a:t>
+              <a:t>                return Values(first: self.rawValue, second: nil)</a:t>
             </a:r>
           </a:p>
           <a:p>
-            <a:pPr marL="457200" indent="-317500" defTabSz="457200">
+            <a:pPr marL="488950" indent="-349250" defTabSz="457200">
               <a:lnSpc>
-                <a:spcPts val="1400"/>
+                <a:spcPts val="1100"/>
               </a:lnSpc>
               <a:spcBef>
                 <a:spcPts val="0"/>
@@ -34555,14 +33731,14 @@
               <a:buSzPct val="100000"/>
               <a:buFont typeface="Menlo"/>
               <a:buChar char="•"/>
-              <a:defRPr b="0" sz="600">
+              <a:defRPr b="0" sz="800">
                 <a:solidFill>
-                  <a:srgbClr val="333333"/>
+                  <a:srgbClr val="5C2699"/>
                 </a:solidFill>
-                <a:latin typeface="Menlo"/>
-                <a:ea typeface="Menlo"/>
-                <a:cs typeface="Menlo"/>
-                <a:sym typeface="Menlo"/>
+                <a:latin typeface="Arial"/>
+                <a:ea typeface="Arial"/>
+                <a:cs typeface="Arial"/>
+                <a:sym typeface="Arial"/>
               </a:defRPr>
             </a:pPr>
             <a:r>
@@ -34570,9 +33746,9 @@
             </a:r>
           </a:p>
           <a:p>
-            <a:pPr marL="457200" indent="-317500" defTabSz="457200">
+            <a:pPr marL="488950" indent="-349250" defTabSz="457200">
               <a:lnSpc>
-                <a:spcPts val="1400"/>
+                <a:spcPts val="1100"/>
               </a:lnSpc>
               <a:spcBef>
                 <a:spcPts val="0"/>
@@ -34583,14 +33759,14 @@
               <a:buSzPct val="100000"/>
               <a:buFont typeface="Menlo"/>
               <a:buChar char="•"/>
-              <a:defRPr b="0" sz="600">
+              <a:defRPr b="0" sz="800">
                 <a:solidFill>
-                  <a:srgbClr val="333333"/>
+                  <a:srgbClr val="5C2699"/>
                 </a:solidFill>
-                <a:latin typeface="Menlo"/>
-                <a:ea typeface="Menlo"/>
-                <a:cs typeface="Menlo"/>
-                <a:sym typeface="Menlo"/>
+                <a:latin typeface="Arial"/>
+                <a:ea typeface="Arial"/>
+                <a:cs typeface="Arial"/>
+                <a:sym typeface="Arial"/>
               </a:defRPr>
             </a:pPr>
             <a:r>
@@ -34598,9 +33774,9 @@
             </a:r>
           </a:p>
           <a:p>
-            <a:pPr marL="457200" indent="-317500" defTabSz="457200">
+            <a:pPr marL="488950" indent="-349250" defTabSz="457200">
               <a:lnSpc>
-                <a:spcPts val="1400"/>
+                <a:spcPts val="1100"/>
               </a:lnSpc>
               <a:spcBef>
                 <a:spcPts val="0"/>
@@ -34611,721 +33787,18 @@
               <a:buSzPct val="100000"/>
               <a:buFont typeface="Menlo"/>
               <a:buChar char="•"/>
-              <a:defRPr b="0" sz="600">
+              <a:defRPr b="0" sz="800">
                 <a:solidFill>
-                  <a:srgbClr val="333333"/>
+                  <a:srgbClr val="5C2699"/>
                 </a:solidFill>
-                <a:latin typeface="Menlo"/>
-                <a:ea typeface="Menlo"/>
-                <a:cs typeface="Menlo"/>
-                <a:sym typeface="Menlo"/>
+                <a:latin typeface="Arial"/>
+                <a:ea typeface="Arial"/>
+                <a:cs typeface="Arial"/>
+                <a:sym typeface="Arial"/>
               </a:defRPr>
             </a:pPr>
             <a:r>
               <a:t>    }</a:t>
-            </a:r>
-          </a:p>
-          <a:p>
-            <a:pPr marL="457200" indent="-317500" defTabSz="457200">
-              <a:lnSpc>
-                <a:spcPts val="1400"/>
-              </a:lnSpc>
-              <a:spcBef>
-                <a:spcPts val="0"/>
-              </a:spcBef>
-              <a:buClr>
-                <a:srgbClr val="333333"/>
-              </a:buClr>
-              <a:buSzPct val="100000"/>
-              <a:buFont typeface="Menlo"/>
-              <a:buChar char="•"/>
-              <a:defRPr b="0" sz="600">
-                <a:solidFill>
-                  <a:srgbClr val="333333"/>
-                </a:solidFill>
-                <a:latin typeface="Menlo"/>
-                <a:ea typeface="Menlo"/>
-                <a:cs typeface="Menlo"/>
-                <a:sym typeface="Menlo"/>
-              </a:defRPr>
-            </a:pPr>
-          </a:p>
-          <a:p>
-            <a:pPr marL="457200" indent="-317500" defTabSz="457200">
-              <a:lnSpc>
-                <a:spcPts val="1400"/>
-              </a:lnSpc>
-              <a:spcBef>
-                <a:spcPts val="0"/>
-              </a:spcBef>
-              <a:buClr>
-                <a:srgbClr val="333333"/>
-              </a:buClr>
-              <a:buSzPct val="100000"/>
-              <a:buFont typeface="Menlo"/>
-              <a:buChar char="•"/>
-              <a:defRPr b="0" sz="600">
-                <a:solidFill>
-                  <a:srgbClr val="007400"/>
-                </a:solidFill>
-                <a:latin typeface="Menlo"/>
-                <a:ea typeface="Menlo"/>
-                <a:cs typeface="Menlo"/>
-                <a:sym typeface="Menlo"/>
-              </a:defRPr>
-            </a:pPr>
-            <a:r>
-              <a:rPr>
-                <a:solidFill>
-                  <a:srgbClr val="333333"/>
-                </a:solidFill>
-              </a:rPr>
-              <a:t>    </a:t>
-            </a:r>
-            <a:r>
-              <a:t>// BlackjackCard properties and methods</a:t>
-            </a:r>
-            <a:endParaRPr>
-              <a:solidFill>
-                <a:srgbClr val="333333"/>
-              </a:solidFill>
-            </a:endParaRPr>
-          </a:p>
-          <a:p>
-            <a:pPr marL="457200" indent="-317500" defTabSz="457200">
-              <a:lnSpc>
-                <a:spcPts val="1400"/>
-              </a:lnSpc>
-              <a:spcBef>
-                <a:spcPts val="0"/>
-              </a:spcBef>
-              <a:buClr>
-                <a:srgbClr val="333333"/>
-              </a:buClr>
-              <a:buSzPct val="100000"/>
-              <a:buFont typeface="Menlo"/>
-              <a:buChar char="•"/>
-              <a:defRPr b="0" sz="600">
-                <a:solidFill>
-                  <a:srgbClr val="333333"/>
-                </a:solidFill>
-                <a:latin typeface="Menlo"/>
-                <a:ea typeface="Menlo"/>
-                <a:cs typeface="Menlo"/>
-                <a:sym typeface="Menlo"/>
-              </a:defRPr>
-            </a:pPr>
-            <a:r>
-              <a:t>    </a:t>
-            </a:r>
-            <a:r>
-              <a:rPr>
-                <a:solidFill>
-                  <a:srgbClr val="AA0D91"/>
-                </a:solidFill>
-              </a:rPr>
-              <a:t>let</a:t>
-            </a:r>
-            <a:r>
-              <a:t> </a:t>
-            </a:r>
-            <a:r>
-              <a:rPr>
-                <a:solidFill>
-                  <a:srgbClr val="3F6E74"/>
-                </a:solidFill>
-              </a:rPr>
-              <a:t>rank</a:t>
-            </a:r>
-            <a:r>
-              <a:t>: </a:t>
-            </a:r>
-            <a:r>
-              <a:rPr>
-                <a:solidFill>
-                  <a:srgbClr val="5C2699"/>
-                </a:solidFill>
-              </a:rPr>
-              <a:t>Rank</a:t>
-            </a:r>
-            <a:r>
-              <a:t>, </a:t>
-            </a:r>
-            <a:r>
-              <a:rPr>
-                <a:solidFill>
-                  <a:srgbClr val="3F6E74"/>
-                </a:solidFill>
-              </a:rPr>
-              <a:t>suit</a:t>
-            </a:r>
-            <a:r>
-              <a:t>: </a:t>
-            </a:r>
-            <a:r>
-              <a:rPr>
-                <a:solidFill>
-                  <a:srgbClr val="5C2699"/>
-                </a:solidFill>
-              </a:rPr>
-              <a:t>Suit</a:t>
-            </a:r>
-          </a:p>
-          <a:p>
-            <a:pPr marL="457200" indent="-317500" defTabSz="457200">
-              <a:lnSpc>
-                <a:spcPts val="1400"/>
-              </a:lnSpc>
-              <a:spcBef>
-                <a:spcPts val="0"/>
-              </a:spcBef>
-              <a:buClr>
-                <a:srgbClr val="333333"/>
-              </a:buClr>
-              <a:buSzPct val="100000"/>
-              <a:buFont typeface="Menlo"/>
-              <a:buChar char="•"/>
-              <a:defRPr b="0" sz="600">
-                <a:solidFill>
-                  <a:srgbClr val="3F6E74"/>
-                </a:solidFill>
-                <a:latin typeface="Menlo"/>
-                <a:ea typeface="Menlo"/>
-                <a:cs typeface="Menlo"/>
-                <a:sym typeface="Menlo"/>
-              </a:defRPr>
-            </a:pPr>
-            <a:r>
-              <a:rPr>
-                <a:solidFill>
-                  <a:srgbClr val="333333"/>
-                </a:solidFill>
-              </a:rPr>
-              <a:t>    </a:t>
-            </a:r>
-            <a:r>
-              <a:rPr>
-                <a:solidFill>
-                  <a:srgbClr val="AA0D91"/>
-                </a:solidFill>
-              </a:rPr>
-              <a:t>var</a:t>
-            </a:r>
-            <a:r>
-              <a:rPr>
-                <a:solidFill>
-                  <a:srgbClr val="333333"/>
-                </a:solidFill>
-              </a:rPr>
-              <a:t> </a:t>
-            </a:r>
-            <a:r>
-              <a:t>description</a:t>
-            </a:r>
-            <a:r>
-              <a:rPr>
-                <a:solidFill>
-                  <a:srgbClr val="333333"/>
-                </a:solidFill>
-              </a:rPr>
-              <a:t>: </a:t>
-            </a:r>
-            <a:r>
-              <a:rPr>
-                <a:solidFill>
-                  <a:srgbClr val="5C2699"/>
-                </a:solidFill>
-              </a:rPr>
-              <a:t>String</a:t>
-            </a:r>
-            <a:r>
-              <a:rPr>
-                <a:solidFill>
-                  <a:srgbClr val="333333"/>
-                </a:solidFill>
-              </a:rPr>
-              <a:t> {</a:t>
-            </a:r>
-            <a:endParaRPr>
-              <a:solidFill>
-                <a:srgbClr val="333333"/>
-              </a:solidFill>
-            </a:endParaRPr>
-          </a:p>
-          <a:p>
-            <a:pPr marL="457200" indent="-317500" defTabSz="457200">
-              <a:lnSpc>
-                <a:spcPts val="1400"/>
-              </a:lnSpc>
-              <a:spcBef>
-                <a:spcPts val="0"/>
-              </a:spcBef>
-              <a:buClr>
-                <a:srgbClr val="333333"/>
-              </a:buClr>
-              <a:buSzPct val="100000"/>
-              <a:buFont typeface="Menlo"/>
-              <a:buChar char="•"/>
-              <a:defRPr b="0" sz="600">
-                <a:solidFill>
-                  <a:srgbClr val="333333"/>
-                </a:solidFill>
-                <a:latin typeface="Menlo"/>
-                <a:ea typeface="Menlo"/>
-                <a:cs typeface="Menlo"/>
-                <a:sym typeface="Menlo"/>
-              </a:defRPr>
-            </a:pPr>
-            <a:r>
-              <a:t>        </a:t>
-            </a:r>
-            <a:r>
-              <a:rPr>
-                <a:solidFill>
-                  <a:srgbClr val="AA0D91"/>
-                </a:solidFill>
-              </a:rPr>
-              <a:t>var</a:t>
-            </a:r>
-            <a:r>
-              <a:t> </a:t>
-            </a:r>
-            <a:r>
-              <a:rPr>
-                <a:solidFill>
-                  <a:srgbClr val="3F6E74"/>
-                </a:solidFill>
-              </a:rPr>
-              <a:t>output</a:t>
-            </a:r>
-            <a:r>
-              <a:t> = </a:t>
-            </a:r>
-            <a:r>
-              <a:rPr>
-                <a:solidFill>
-                  <a:srgbClr val="C41A16"/>
-                </a:solidFill>
-              </a:rPr>
-              <a:t>"suit is </a:t>
-            </a:r>
-            <a:r>
-              <a:t>\(</a:t>
-            </a:r>
-            <a:r>
-              <a:rPr>
-                <a:solidFill>
-                  <a:srgbClr val="3F6E74"/>
-                </a:solidFill>
-              </a:rPr>
-              <a:t>suit</a:t>
-            </a:r>
-            <a:r>
-              <a:t>.</a:t>
-            </a:r>
-            <a:r>
-              <a:rPr>
-                <a:solidFill>
-                  <a:srgbClr val="3F6E74"/>
-                </a:solidFill>
-              </a:rPr>
-              <a:t>rawValue</a:t>
-            </a:r>
-            <a:r>
-              <a:t>)</a:t>
-            </a:r>
-            <a:r>
-              <a:rPr>
-                <a:solidFill>
-                  <a:srgbClr val="C41A16"/>
-                </a:solidFill>
-              </a:rPr>
-              <a:t>,"</a:t>
-            </a:r>
-          </a:p>
-          <a:p>
-            <a:pPr marL="457200" indent="-317500" defTabSz="457200">
-              <a:lnSpc>
-                <a:spcPts val="1400"/>
-              </a:lnSpc>
-              <a:spcBef>
-                <a:spcPts val="0"/>
-              </a:spcBef>
-              <a:buClr>
-                <a:srgbClr val="333333"/>
-              </a:buClr>
-              <a:buSzPct val="100000"/>
-              <a:buFont typeface="Menlo"/>
-              <a:buChar char="•"/>
-              <a:defRPr b="0" sz="600">
-                <a:solidFill>
-                  <a:srgbClr val="333333"/>
-                </a:solidFill>
-                <a:latin typeface="Menlo"/>
-                <a:ea typeface="Menlo"/>
-                <a:cs typeface="Menlo"/>
-                <a:sym typeface="Menlo"/>
-              </a:defRPr>
-            </a:pPr>
-            <a:r>
-              <a:t>        </a:t>
-            </a:r>
-            <a:r>
-              <a:rPr>
-                <a:solidFill>
-                  <a:srgbClr val="3F6E74"/>
-                </a:solidFill>
-              </a:rPr>
-              <a:t>output</a:t>
-            </a:r>
-            <a:r>
-              <a:t> += </a:t>
-            </a:r>
-            <a:r>
-              <a:rPr>
-                <a:solidFill>
-                  <a:srgbClr val="C41A16"/>
-                </a:solidFill>
-              </a:rPr>
-              <a:t>" value is </a:t>
-            </a:r>
-            <a:r>
-              <a:t>\(</a:t>
-            </a:r>
-            <a:r>
-              <a:rPr>
-                <a:solidFill>
-                  <a:srgbClr val="3F6E74"/>
-                </a:solidFill>
-              </a:rPr>
-              <a:t>rank</a:t>
-            </a:r>
-            <a:r>
-              <a:t>.</a:t>
-            </a:r>
-            <a:r>
-              <a:rPr>
-                <a:solidFill>
-                  <a:srgbClr val="3F6E74"/>
-                </a:solidFill>
-              </a:rPr>
-              <a:t>values</a:t>
-            </a:r>
-            <a:r>
-              <a:t>.</a:t>
-            </a:r>
-            <a:r>
-              <a:rPr>
-                <a:solidFill>
-                  <a:srgbClr val="3F6E74"/>
-                </a:solidFill>
-              </a:rPr>
-              <a:t>first</a:t>
-            </a:r>
-            <a:r>
-              <a:t>)</a:t>
-            </a:r>
-            <a:r>
-              <a:rPr>
-                <a:solidFill>
-                  <a:srgbClr val="C41A16"/>
-                </a:solidFill>
-              </a:rPr>
-              <a:t>"</a:t>
-            </a:r>
-          </a:p>
-          <a:p>
-            <a:pPr marL="457200" indent="-317500" defTabSz="457200">
-              <a:lnSpc>
-                <a:spcPts val="1400"/>
-              </a:lnSpc>
-              <a:spcBef>
-                <a:spcPts val="0"/>
-              </a:spcBef>
-              <a:buClr>
-                <a:srgbClr val="333333"/>
-              </a:buClr>
-              <a:buSzPct val="100000"/>
-              <a:buFont typeface="Menlo"/>
-              <a:buChar char="•"/>
-              <a:defRPr b="0" sz="600">
-                <a:solidFill>
-                  <a:srgbClr val="333333"/>
-                </a:solidFill>
-                <a:latin typeface="Menlo"/>
-                <a:ea typeface="Menlo"/>
-                <a:cs typeface="Menlo"/>
-                <a:sym typeface="Menlo"/>
-              </a:defRPr>
-            </a:pPr>
-            <a:r>
-              <a:t>        </a:t>
-            </a:r>
-            <a:r>
-              <a:rPr>
-                <a:solidFill>
-                  <a:srgbClr val="AA0D91"/>
-                </a:solidFill>
-              </a:rPr>
-              <a:t>if</a:t>
-            </a:r>
-            <a:r>
-              <a:t> </a:t>
-            </a:r>
-            <a:r>
-              <a:rPr>
-                <a:solidFill>
-                  <a:srgbClr val="AA0D91"/>
-                </a:solidFill>
-              </a:rPr>
-              <a:t>let</a:t>
-            </a:r>
-            <a:r>
-              <a:t> </a:t>
-            </a:r>
-            <a:r>
-              <a:rPr>
-                <a:solidFill>
-                  <a:srgbClr val="3F6E74"/>
-                </a:solidFill>
-              </a:rPr>
-              <a:t>second</a:t>
-            </a:r>
-            <a:r>
-              <a:t> = </a:t>
-            </a:r>
-            <a:r>
-              <a:rPr>
-                <a:solidFill>
-                  <a:srgbClr val="3F6E74"/>
-                </a:solidFill>
-              </a:rPr>
-              <a:t>rank</a:t>
-            </a:r>
-            <a:r>
-              <a:t>.</a:t>
-            </a:r>
-            <a:r>
-              <a:rPr>
-                <a:solidFill>
-                  <a:srgbClr val="3F6E74"/>
-                </a:solidFill>
-              </a:rPr>
-              <a:t>values</a:t>
-            </a:r>
-            <a:r>
-              <a:t>.</a:t>
-            </a:r>
-            <a:r>
-              <a:rPr>
-                <a:solidFill>
-                  <a:srgbClr val="3F6E74"/>
-                </a:solidFill>
-              </a:rPr>
-              <a:t>second</a:t>
-            </a:r>
-            <a:r>
-              <a:t> {</a:t>
-            </a:r>
-          </a:p>
-          <a:p>
-            <a:pPr marL="457200" indent="-317500" defTabSz="457200">
-              <a:lnSpc>
-                <a:spcPts val="1400"/>
-              </a:lnSpc>
-              <a:spcBef>
-                <a:spcPts val="0"/>
-              </a:spcBef>
-              <a:buClr>
-                <a:srgbClr val="333333"/>
-              </a:buClr>
-              <a:buSzPct val="100000"/>
-              <a:buFont typeface="Menlo"/>
-              <a:buChar char="•"/>
-              <a:defRPr b="0" sz="600">
-                <a:solidFill>
-                  <a:srgbClr val="333333"/>
-                </a:solidFill>
-                <a:latin typeface="Menlo"/>
-                <a:ea typeface="Menlo"/>
-                <a:cs typeface="Menlo"/>
-                <a:sym typeface="Menlo"/>
-              </a:defRPr>
-            </a:pPr>
-            <a:r>
-              <a:t>            </a:t>
-            </a:r>
-            <a:r>
-              <a:rPr>
-                <a:solidFill>
-                  <a:srgbClr val="3F6E74"/>
-                </a:solidFill>
-              </a:rPr>
-              <a:t>output</a:t>
-            </a:r>
-            <a:r>
-              <a:t> += </a:t>
-            </a:r>
-            <a:r>
-              <a:rPr>
-                <a:solidFill>
-                  <a:srgbClr val="C41A16"/>
-                </a:solidFill>
-              </a:rPr>
-              <a:t>" or </a:t>
-            </a:r>
-            <a:r>
-              <a:t>\(</a:t>
-            </a:r>
-            <a:r>
-              <a:rPr>
-                <a:solidFill>
-                  <a:srgbClr val="3F6E74"/>
-                </a:solidFill>
-              </a:rPr>
-              <a:t>second</a:t>
-            </a:r>
-            <a:r>
-              <a:t>)</a:t>
-            </a:r>
-            <a:r>
-              <a:rPr>
-                <a:solidFill>
-                  <a:srgbClr val="C41A16"/>
-                </a:solidFill>
-              </a:rPr>
-              <a:t>"</a:t>
-            </a:r>
-          </a:p>
-          <a:p>
-            <a:pPr marL="457200" indent="-317500" defTabSz="457200">
-              <a:lnSpc>
-                <a:spcPts val="1400"/>
-              </a:lnSpc>
-              <a:spcBef>
-                <a:spcPts val="0"/>
-              </a:spcBef>
-              <a:buClr>
-                <a:srgbClr val="333333"/>
-              </a:buClr>
-              <a:buSzPct val="100000"/>
-              <a:buFont typeface="Menlo"/>
-              <a:buChar char="•"/>
-              <a:defRPr b="0" sz="600">
-                <a:solidFill>
-                  <a:srgbClr val="333333"/>
-                </a:solidFill>
-                <a:latin typeface="Menlo"/>
-                <a:ea typeface="Menlo"/>
-                <a:cs typeface="Menlo"/>
-                <a:sym typeface="Menlo"/>
-              </a:defRPr>
-            </a:pPr>
-            <a:r>
-              <a:t>        }</a:t>
-            </a:r>
-          </a:p>
-          <a:p>
-            <a:pPr marL="457200" indent="-317500" defTabSz="457200">
-              <a:lnSpc>
-                <a:spcPts val="1400"/>
-              </a:lnSpc>
-              <a:spcBef>
-                <a:spcPts val="0"/>
-              </a:spcBef>
-              <a:buClr>
-                <a:srgbClr val="333333"/>
-              </a:buClr>
-              <a:buSzPct val="100000"/>
-              <a:buFont typeface="Menlo"/>
-              <a:buChar char="•"/>
-              <a:defRPr b="0" sz="600">
-                <a:solidFill>
-                  <a:srgbClr val="333333"/>
-                </a:solidFill>
-                <a:latin typeface="Menlo"/>
-                <a:ea typeface="Menlo"/>
-                <a:cs typeface="Menlo"/>
-                <a:sym typeface="Menlo"/>
-              </a:defRPr>
-            </a:pPr>
-            <a:r>
-              <a:t>        </a:t>
-            </a:r>
-            <a:r>
-              <a:rPr>
-                <a:solidFill>
-                  <a:srgbClr val="AA0D91"/>
-                </a:solidFill>
-              </a:rPr>
-              <a:t>return</a:t>
-            </a:r>
-            <a:r>
-              <a:t> </a:t>
-            </a:r>
-            <a:r>
-              <a:rPr>
-                <a:solidFill>
-                  <a:srgbClr val="3F6E74"/>
-                </a:solidFill>
-              </a:rPr>
-              <a:t>output</a:t>
-            </a:r>
-          </a:p>
-          <a:p>
-            <a:pPr marL="457200" indent="-317500" defTabSz="457200">
-              <a:lnSpc>
-                <a:spcPts val="1400"/>
-              </a:lnSpc>
-              <a:spcBef>
-                <a:spcPts val="0"/>
-              </a:spcBef>
-              <a:buClr>
-                <a:srgbClr val="333333"/>
-              </a:buClr>
-              <a:buSzPct val="100000"/>
-              <a:buFont typeface="Menlo"/>
-              <a:buChar char="•"/>
-              <a:defRPr b="0" sz="600">
-                <a:solidFill>
-                  <a:srgbClr val="333333"/>
-                </a:solidFill>
-                <a:latin typeface="Menlo"/>
-                <a:ea typeface="Menlo"/>
-                <a:cs typeface="Menlo"/>
-                <a:sym typeface="Menlo"/>
-              </a:defRPr>
-            </a:pPr>
-            <a:r>
-              <a:t>    }</a:t>
-            </a:r>
-          </a:p>
-          <a:p>
-            <a:pPr marL="457200" indent="-317500" defTabSz="457200">
-              <a:lnSpc>
-                <a:spcPts val="1400"/>
-              </a:lnSpc>
-              <a:spcBef>
-                <a:spcPts val="0"/>
-              </a:spcBef>
-              <a:buClr>
-                <a:srgbClr val="333333"/>
-              </a:buClr>
-              <a:buSzPct val="100000"/>
-              <a:buFont typeface="Menlo"/>
-              <a:buChar char="•"/>
-              <a:defRPr b="0" sz="600">
-                <a:solidFill>
-                  <a:srgbClr val="333333"/>
-                </a:solidFill>
-                <a:latin typeface="Menlo"/>
-                <a:ea typeface="Menlo"/>
-                <a:cs typeface="Menlo"/>
-                <a:sym typeface="Menlo"/>
-              </a:defRPr>
-            </a:pPr>
-            <a:r>
-              <a:t>}</a:t>
             </a:r>
           </a:p>
         </p:txBody>
@@ -35338,8 +33811,8 @@
         </p:nvSpPr>
         <p:spPr>
           <a:xfrm>
-            <a:off x="3911774" y="3779311"/>
-            <a:ext cx="4827834" cy="548641"/>
+            <a:off x="4277474" y="4010705"/>
+            <a:ext cx="4533742" cy="725566"/>
           </a:xfrm>
           <a:prstGeom prst="rect">
             <a:avLst/>
@@ -35359,9 +33832,9 @@
           </a:bodyPr>
           <a:lstStyle/>
           <a:p>
-            <a:pPr marL="457200" indent="-317500" defTabSz="457200">
+            <a:pPr marL="527755" indent="-388055" defTabSz="457200">
               <a:lnSpc>
-                <a:spcPts val="2300"/>
+                <a:spcPts val="1700"/>
               </a:lnSpc>
               <a:spcBef>
                 <a:spcPts val="0"/>
@@ -35372,14 +33845,14 @@
               <a:buSzPct val="100000"/>
               <a:buFont typeface="Menlo"/>
               <a:buChar char="•"/>
-              <a:defRPr b="0" sz="900">
+              <a:defRPr b="0" sz="1100">
                 <a:solidFill>
-                  <a:srgbClr val="3F6E74"/>
+                  <a:srgbClr val="5C2699"/>
                 </a:solidFill>
-                <a:latin typeface="Menlo"/>
-                <a:ea typeface="Menlo"/>
-                <a:cs typeface="Menlo"/>
-                <a:sym typeface="Menlo"/>
+                <a:latin typeface="Arial"/>
+                <a:ea typeface="Arial"/>
+                <a:cs typeface="Arial"/>
+                <a:sym typeface="Arial"/>
               </a:defRPr>
             </a:pPr>
             <a:r>
@@ -35471,9 +33944,9 @@
             </a:endParaRPr>
           </a:p>
           <a:p>
-            <a:pPr marL="457200" indent="-317500" defTabSz="457200">
+            <a:pPr marL="527755" indent="-388055" defTabSz="457200">
               <a:lnSpc>
-                <a:spcPts val="2300"/>
+                <a:spcPts val="1700"/>
               </a:lnSpc>
               <a:spcBef>
                 <a:spcPts val="0"/>
@@ -35484,14 +33957,14 @@
               <a:buSzPct val="100000"/>
               <a:buFont typeface="Menlo"/>
               <a:buChar char="•"/>
-              <a:defRPr b="0" sz="900">
+              <a:defRPr b="0" sz="1100">
                 <a:solidFill>
-                  <a:srgbClr val="C41A16"/>
+                  <a:srgbClr val="5C2699"/>
                 </a:solidFill>
-                <a:latin typeface="Menlo"/>
-                <a:ea typeface="Menlo"/>
-                <a:cs typeface="Menlo"/>
-                <a:sym typeface="Menlo"/>
+                <a:latin typeface="Arial"/>
+                <a:ea typeface="Arial"/>
+                <a:cs typeface="Arial"/>
+                <a:sym typeface="Arial"/>
               </a:defRPr>
             </a:pPr>
             <a:r>
@@ -35571,9 +34044,9 @@
             </a:endParaRPr>
           </a:p>
           <a:p>
-            <a:pPr marL="457200" indent="-317500" defTabSz="457200">
+            <a:pPr marL="527755" indent="-388055" defTabSz="457200">
               <a:lnSpc>
-                <a:spcPts val="2300"/>
+                <a:spcPts val="1700"/>
               </a:lnSpc>
               <a:spcBef>
                 <a:spcPts val="0"/>
@@ -35584,14 +34057,14 @@
               <a:buSzPct val="100000"/>
               <a:buFont typeface="Menlo"/>
               <a:buChar char="•"/>
-              <a:defRPr b="0" sz="900">
+              <a:defRPr b="0" sz="1100">
                 <a:solidFill>
-                  <a:srgbClr val="007400"/>
+                  <a:srgbClr val="5C2699"/>
                 </a:solidFill>
-                <a:latin typeface="Menlo"/>
-                <a:ea typeface="Menlo"/>
-                <a:cs typeface="Menlo"/>
-                <a:sym typeface="Menlo"/>
+                <a:latin typeface="Arial"/>
+                <a:ea typeface="Arial"/>
+                <a:cs typeface="Arial"/>
+                <a:sym typeface="Arial"/>
               </a:defRPr>
             </a:pPr>
             <a:r>
@@ -35600,6 +34073,373 @@
           </a:p>
         </p:txBody>
       </p:sp>
+      <p:sp>
+        <p:nvSpPr>
+          <p:cNvPr id="687" name="// BlackjackCard properties and methods…"/>
+          <p:cNvSpPr txBox="1"/>
+          <p:nvPr/>
+        </p:nvSpPr>
+        <p:spPr>
+          <a:xfrm>
+            <a:off x="4925880" y="1159093"/>
+            <a:ext cx="3236929" cy="2668665"/>
+          </a:xfrm>
+          <a:prstGeom prst="rect">
+            <a:avLst/>
+          </a:prstGeom>
+          <a:ln w="12700">
+            <a:miter lim="400000"/>
+          </a:ln>
+          <a:extLst>
+            <a:ext uri="{C572A759-6A51-4108-AA02-DFA0A04FC94B}">
+              <ma14:wrappingTextBoxFlag xmlns:ma14="http://schemas.microsoft.com/office/mac/drawingml/2011/main" val="1"/>
+            </a:ext>
+          </a:extLst>
+        </p:spPr>
+        <p:txBody>
+          <a:bodyPr wrap="none" lIns="45719" rIns="45719">
+            <a:spAutoFit/>
+          </a:bodyPr>
+          <a:lstStyle/>
+          <a:p>
+            <a:pPr marL="393700" indent="-254000" defTabSz="457200">
+              <a:lnSpc>
+                <a:spcPts val="1700"/>
+              </a:lnSpc>
+              <a:spcBef>
+                <a:spcPts val="0"/>
+              </a:spcBef>
+              <a:buClr>
+                <a:srgbClr val="333333"/>
+              </a:buClr>
+              <a:buSzPct val="100000"/>
+              <a:buFont typeface="Menlo"/>
+              <a:buChar char="•"/>
+              <a:defRPr b="0" sz="1100">
+                <a:solidFill>
+                  <a:srgbClr val="5C2699"/>
+                </a:solidFill>
+                <a:latin typeface="Arial"/>
+                <a:ea typeface="Arial"/>
+                <a:cs typeface="Arial"/>
+                <a:sym typeface="Arial"/>
+              </a:defRPr>
+            </a:pPr>
+            <a:r>
+              <a:t>    // BlackjackCard properties and methods</a:t>
+            </a:r>
+          </a:p>
+          <a:p>
+            <a:pPr marL="393700" indent="-254000" defTabSz="457200">
+              <a:lnSpc>
+                <a:spcPts val="1700"/>
+              </a:lnSpc>
+              <a:spcBef>
+                <a:spcPts val="0"/>
+              </a:spcBef>
+              <a:buClr>
+                <a:srgbClr val="333333"/>
+              </a:buClr>
+              <a:buSzPct val="100000"/>
+              <a:buFont typeface="Menlo"/>
+              <a:buChar char="•"/>
+              <a:defRPr b="0" sz="1100">
+                <a:solidFill>
+                  <a:srgbClr val="5C2699"/>
+                </a:solidFill>
+                <a:latin typeface="Arial"/>
+                <a:ea typeface="Arial"/>
+                <a:cs typeface="Arial"/>
+                <a:sym typeface="Arial"/>
+              </a:defRPr>
+            </a:pPr>
+            <a:r>
+              <a:t>    let rank: Rank, suit: Suit</a:t>
+            </a:r>
+          </a:p>
+          <a:p>
+            <a:pPr marL="393700" indent="-254000" defTabSz="457200">
+              <a:lnSpc>
+                <a:spcPts val="1700"/>
+              </a:lnSpc>
+              <a:spcBef>
+                <a:spcPts val="0"/>
+              </a:spcBef>
+              <a:buClr>
+                <a:srgbClr val="333333"/>
+              </a:buClr>
+              <a:buSzPct val="100000"/>
+              <a:buFont typeface="Menlo"/>
+              <a:buChar char="•"/>
+              <a:defRPr b="0" sz="1100">
+                <a:solidFill>
+                  <a:srgbClr val="5C2699"/>
+                </a:solidFill>
+                <a:latin typeface="Arial"/>
+                <a:ea typeface="Arial"/>
+                <a:cs typeface="Arial"/>
+                <a:sym typeface="Arial"/>
+              </a:defRPr>
+            </a:pPr>
+            <a:r>
+              <a:t>    var description: String {</a:t>
+            </a:r>
+          </a:p>
+          <a:p>
+            <a:pPr marL="393700" indent="-254000" defTabSz="457200">
+              <a:lnSpc>
+                <a:spcPts val="1700"/>
+              </a:lnSpc>
+              <a:spcBef>
+                <a:spcPts val="0"/>
+              </a:spcBef>
+              <a:buClr>
+                <a:srgbClr val="333333"/>
+              </a:buClr>
+              <a:buSzPct val="100000"/>
+              <a:buFont typeface="Menlo"/>
+              <a:buChar char="•"/>
+              <a:defRPr b="0" sz="1100">
+                <a:solidFill>
+                  <a:srgbClr val="5C2699"/>
+                </a:solidFill>
+                <a:latin typeface="Arial"/>
+                <a:ea typeface="Arial"/>
+                <a:cs typeface="Arial"/>
+                <a:sym typeface="Arial"/>
+              </a:defRPr>
+            </a:pPr>
+            <a:r>
+              <a:t>        var output = "suit is \(suit.rawValue),"</a:t>
+            </a:r>
+          </a:p>
+          <a:p>
+            <a:pPr marL="393700" indent="-254000" defTabSz="457200">
+              <a:lnSpc>
+                <a:spcPts val="1700"/>
+              </a:lnSpc>
+              <a:spcBef>
+                <a:spcPts val="0"/>
+              </a:spcBef>
+              <a:buClr>
+                <a:srgbClr val="333333"/>
+              </a:buClr>
+              <a:buSzPct val="100000"/>
+              <a:buFont typeface="Menlo"/>
+              <a:buChar char="•"/>
+              <a:defRPr b="0" sz="1100">
+                <a:solidFill>
+                  <a:srgbClr val="5C2699"/>
+                </a:solidFill>
+                <a:latin typeface="Arial"/>
+                <a:ea typeface="Arial"/>
+                <a:cs typeface="Arial"/>
+                <a:sym typeface="Arial"/>
+              </a:defRPr>
+            </a:pPr>
+            <a:r>
+              <a:t>        output += " value is \(rank.values.first)"</a:t>
+            </a:r>
+          </a:p>
+          <a:p>
+            <a:pPr marL="393700" indent="-254000" defTabSz="457200">
+              <a:lnSpc>
+                <a:spcPts val="1700"/>
+              </a:lnSpc>
+              <a:spcBef>
+                <a:spcPts val="0"/>
+              </a:spcBef>
+              <a:buClr>
+                <a:srgbClr val="333333"/>
+              </a:buClr>
+              <a:buSzPct val="100000"/>
+              <a:buFont typeface="Menlo"/>
+              <a:buChar char="•"/>
+              <a:defRPr b="0" sz="1100">
+                <a:solidFill>
+                  <a:srgbClr val="5C2699"/>
+                </a:solidFill>
+                <a:latin typeface="Arial"/>
+                <a:ea typeface="Arial"/>
+                <a:cs typeface="Arial"/>
+                <a:sym typeface="Arial"/>
+              </a:defRPr>
+            </a:pPr>
+            <a:r>
+              <a:t>        if let second = rank.values.second {</a:t>
+            </a:r>
+          </a:p>
+          <a:p>
+            <a:pPr marL="393700" indent="-254000" defTabSz="457200">
+              <a:lnSpc>
+                <a:spcPts val="1700"/>
+              </a:lnSpc>
+              <a:spcBef>
+                <a:spcPts val="0"/>
+              </a:spcBef>
+              <a:buClr>
+                <a:srgbClr val="333333"/>
+              </a:buClr>
+              <a:buSzPct val="100000"/>
+              <a:buFont typeface="Menlo"/>
+              <a:buChar char="•"/>
+              <a:defRPr b="0" sz="1100">
+                <a:solidFill>
+                  <a:srgbClr val="5C2699"/>
+                </a:solidFill>
+                <a:latin typeface="Arial"/>
+                <a:ea typeface="Arial"/>
+                <a:cs typeface="Arial"/>
+                <a:sym typeface="Arial"/>
+              </a:defRPr>
+            </a:pPr>
+            <a:r>
+              <a:t>            output += " or \(second)"</a:t>
+            </a:r>
+          </a:p>
+          <a:p>
+            <a:pPr marL="393700" indent="-254000" defTabSz="457200">
+              <a:lnSpc>
+                <a:spcPts val="1700"/>
+              </a:lnSpc>
+              <a:spcBef>
+                <a:spcPts val="0"/>
+              </a:spcBef>
+              <a:buClr>
+                <a:srgbClr val="333333"/>
+              </a:buClr>
+              <a:buSzPct val="100000"/>
+              <a:buFont typeface="Menlo"/>
+              <a:buChar char="•"/>
+              <a:defRPr b="0" sz="1100">
+                <a:solidFill>
+                  <a:srgbClr val="5C2699"/>
+                </a:solidFill>
+                <a:latin typeface="Arial"/>
+                <a:ea typeface="Arial"/>
+                <a:cs typeface="Arial"/>
+                <a:sym typeface="Arial"/>
+              </a:defRPr>
+            </a:pPr>
+            <a:r>
+              <a:t>        }</a:t>
+            </a:r>
+          </a:p>
+          <a:p>
+            <a:pPr marL="393700" indent="-254000" defTabSz="457200">
+              <a:lnSpc>
+                <a:spcPts val="1700"/>
+              </a:lnSpc>
+              <a:spcBef>
+                <a:spcPts val="0"/>
+              </a:spcBef>
+              <a:buClr>
+                <a:srgbClr val="333333"/>
+              </a:buClr>
+              <a:buSzPct val="100000"/>
+              <a:buFont typeface="Menlo"/>
+              <a:buChar char="•"/>
+              <a:defRPr b="0" sz="1100">
+                <a:solidFill>
+                  <a:srgbClr val="5C2699"/>
+                </a:solidFill>
+                <a:latin typeface="Arial"/>
+                <a:ea typeface="Arial"/>
+                <a:cs typeface="Arial"/>
+                <a:sym typeface="Arial"/>
+              </a:defRPr>
+            </a:pPr>
+            <a:r>
+              <a:t>        return output</a:t>
+            </a:r>
+          </a:p>
+          <a:p>
+            <a:pPr marL="393700" indent="-254000" defTabSz="457200">
+              <a:lnSpc>
+                <a:spcPts val="1700"/>
+              </a:lnSpc>
+              <a:spcBef>
+                <a:spcPts val="0"/>
+              </a:spcBef>
+              <a:buClr>
+                <a:srgbClr val="333333"/>
+              </a:buClr>
+              <a:buSzPct val="100000"/>
+              <a:buFont typeface="Menlo"/>
+              <a:buChar char="•"/>
+              <a:defRPr b="0" sz="1100">
+                <a:solidFill>
+                  <a:srgbClr val="5C2699"/>
+                </a:solidFill>
+                <a:latin typeface="Arial"/>
+                <a:ea typeface="Arial"/>
+                <a:cs typeface="Arial"/>
+                <a:sym typeface="Arial"/>
+              </a:defRPr>
+            </a:pPr>
+            <a:r>
+              <a:t>    }</a:t>
+            </a:r>
+          </a:p>
+          <a:p>
+            <a:pPr marL="393700" indent="-254000" defTabSz="457200">
+              <a:lnSpc>
+                <a:spcPts val="1700"/>
+              </a:lnSpc>
+              <a:spcBef>
+                <a:spcPts val="0"/>
+              </a:spcBef>
+              <a:buClr>
+                <a:srgbClr val="333333"/>
+              </a:buClr>
+              <a:buSzPct val="100000"/>
+              <a:buFont typeface="Menlo"/>
+              <a:buChar char="•"/>
+              <a:defRPr b="0" sz="1100">
+                <a:solidFill>
+                  <a:srgbClr val="5C2699"/>
+                </a:solidFill>
+                <a:latin typeface="Arial"/>
+                <a:ea typeface="Arial"/>
+                <a:cs typeface="Arial"/>
+                <a:sym typeface="Arial"/>
+              </a:defRPr>
+            </a:pPr>
+            <a:r>
+              <a:t>}</a:t>
+            </a:r>
+          </a:p>
+        </p:txBody>
+      </p:sp>
+      <p:pic>
+        <p:nvPicPr>
+          <p:cNvPr id="688" name="螢幕快照 2019-02-26 下午12.37.20.png" descr="螢幕快照 2019-02-26 下午12.37.20.png"/>
+          <p:cNvPicPr>
+            <a:picLocks noChangeAspect="1"/>
+          </p:cNvPicPr>
+          <p:nvPr/>
+        </p:nvPicPr>
+        <p:blipFill>
+          <a:blip r:embed="rId3">
+            <a:extLst/>
+          </a:blip>
+          <a:stretch>
+            <a:fillRect/>
+          </a:stretch>
+        </p:blipFill>
+        <p:spPr>
+          <a:xfrm>
+            <a:off x="1337259" y="1710295"/>
+            <a:ext cx="2884486" cy="154069"/>
+          </a:xfrm>
+          <a:prstGeom prst="rect">
+            <a:avLst/>
+          </a:prstGeom>
+          <a:ln w="12700">
+            <a:miter lim="400000"/>
+          </a:ln>
+        </p:spPr>
+      </p:pic>
     </p:spTree>
   </p:cSld>
   <p:clrMapOvr>
@@ -35628,7 +34468,7 @@
       </p:grpSpPr>
       <p:sp>
         <p:nvSpPr>
-          <p:cNvPr id="688" name="2.使用巢狀類別"/>
+          <p:cNvPr id="690" name="2.實作巢狀類別"/>
           <p:cNvSpPr txBox="1"/>
           <p:nvPr>
             <p:ph type="title"/>
@@ -35651,14 +34491,14 @@
           <a:p>
             <a:pPr/>
             <a:r>
-              <a:t>2.使用巢狀類別</a:t>
+              <a:t>2.實作巢狀類別</a:t>
             </a:r>
           </a:p>
         </p:txBody>
       </p:sp>
       <p:sp>
         <p:nvSpPr>
-          <p:cNvPr id="689" name="幻燈片編號"/>
+          <p:cNvPr id="691" name="幻燈片編號"/>
           <p:cNvSpPr txBox="1"/>
           <p:nvPr>
             <p:ph type="sldNum" sz="quarter" idx="2"/>
@@ -35689,7 +34529,7 @@
       </p:sp>
       <p:pic>
         <p:nvPicPr>
-          <p:cNvPr id="690" name="圖片版面配置區 10" descr="圖片版面配置區 10"/>
+          <p:cNvPr id="692" name="圖片版面配置區 10" descr="圖片版面配置區 10"/>
           <p:cNvPicPr>
             <a:picLocks noChangeAspect="1"/>
           </p:cNvPicPr>
@@ -35713,7 +34553,7 @@
       </p:pic>
       <p:pic>
         <p:nvPicPr>
-          <p:cNvPr id="691" name="圖片版面配置區 13" descr="圖片版面配置區 13"/>
+          <p:cNvPr id="693" name="圖片版面配置區 13" descr="圖片版面配置區 13"/>
           <p:cNvPicPr>
             <a:picLocks noChangeAspect="1"/>
           </p:cNvPicPr>
@@ -35737,14 +34577,14 @@
       </p:pic>
       <p:sp>
         <p:nvSpPr>
-          <p:cNvPr id="692" name="let heartsSymbol = BlackjackCard.Suit.hearts.rawValue…"/>
+          <p:cNvPr id="694" name="let theAceOfSpades = BlackjackCard(rank: .ace, suit: .spades)…"/>
           <p:cNvSpPr txBox="1"/>
           <p:nvPr/>
         </p:nvSpPr>
         <p:spPr>
           <a:xfrm>
-            <a:off x="758670" y="1125005"/>
-            <a:ext cx="6341751" cy="863601"/>
+            <a:off x="740885" y="1207000"/>
+            <a:ext cx="4533742" cy="725565"/>
           </a:xfrm>
           <a:prstGeom prst="rect">
             <a:avLst/>
@@ -35764,9 +34604,9 @@
           </a:bodyPr>
           <a:lstStyle/>
           <a:p>
-            <a:pPr marL="457200" indent="-317500" defTabSz="457200">
+            <a:pPr marL="527755" indent="-388055" defTabSz="457200">
               <a:lnSpc>
-                <a:spcPts val="3900"/>
+                <a:spcPts val="1700"/>
               </a:lnSpc>
               <a:spcBef>
                 <a:spcPts val="0"/>
@@ -35777,14 +34617,419 @@
               <a:buSzPct val="100000"/>
               <a:buFont typeface="Menlo"/>
               <a:buChar char="•"/>
-              <a:defRPr b="0">
+              <a:defRPr b="0" sz="1100">
+                <a:solidFill>
+                  <a:srgbClr val="5C2699"/>
+                </a:solidFill>
+                <a:latin typeface="Arial"/>
+                <a:ea typeface="Arial"/>
+                <a:cs typeface="Arial"/>
+                <a:sym typeface="Arial"/>
+              </a:defRPr>
+            </a:pPr>
+            <a:r>
+              <a:rPr>
+                <a:solidFill>
+                  <a:srgbClr val="AA0D91"/>
+                </a:solidFill>
+              </a:rPr>
+              <a:t>let</a:t>
+            </a:r>
+            <a:r>
+              <a:rPr>
+                <a:solidFill>
+                  <a:srgbClr val="333333"/>
+                </a:solidFill>
+              </a:rPr>
+              <a:t> </a:t>
+            </a:r>
+            <a:r>
+              <a:t>theAceOfSpades</a:t>
+            </a:r>
+            <a:r>
+              <a:rPr>
+                <a:solidFill>
+                  <a:srgbClr val="333333"/>
+                </a:solidFill>
+              </a:rPr>
+              <a:t> = </a:t>
+            </a:r>
+            <a:r>
+              <a:t>BlackjackCard</a:t>
+            </a:r>
+            <a:r>
+              <a:rPr>
+                <a:solidFill>
+                  <a:srgbClr val="333333"/>
+                </a:solidFill>
+              </a:rPr>
+              <a:t>(</a:t>
+            </a:r>
+            <a:r>
+              <a:t>rank</a:t>
+            </a:r>
+            <a:r>
+              <a:rPr>
+                <a:solidFill>
+                  <a:srgbClr val="333333"/>
+                </a:solidFill>
+              </a:rPr>
+              <a:t>: .</a:t>
+            </a:r>
+            <a:r>
+              <a:t>ace</a:t>
+            </a:r>
+            <a:r>
+              <a:rPr>
+                <a:solidFill>
+                  <a:srgbClr val="333333"/>
+                </a:solidFill>
+              </a:rPr>
+              <a:t>, </a:t>
+            </a:r>
+            <a:r>
+              <a:t>suit</a:t>
+            </a:r>
+            <a:r>
+              <a:rPr>
+                <a:solidFill>
+                  <a:srgbClr val="333333"/>
+                </a:solidFill>
+              </a:rPr>
+              <a:t>: .</a:t>
+            </a:r>
+            <a:r>
+              <a:t>spades</a:t>
+            </a:r>
+            <a:r>
+              <a:rPr>
+                <a:solidFill>
+                  <a:srgbClr val="333333"/>
+                </a:solidFill>
+              </a:rPr>
+              <a:t>)</a:t>
+            </a:r>
+            <a:endParaRPr>
+              <a:solidFill>
+                <a:srgbClr val="333333"/>
+              </a:solidFill>
+            </a:endParaRPr>
+          </a:p>
+          <a:p>
+            <a:pPr marL="527755" indent="-388055" defTabSz="457200">
+              <a:lnSpc>
+                <a:spcPts val="1700"/>
+              </a:lnSpc>
+              <a:spcBef>
+                <a:spcPts val="0"/>
+              </a:spcBef>
+              <a:buClr>
+                <a:srgbClr val="007400"/>
+              </a:buClr>
+              <a:buSzPct val="100000"/>
+              <a:buFont typeface="Menlo"/>
+              <a:buChar char="•"/>
+              <a:defRPr b="0" sz="1100">
+                <a:solidFill>
+                  <a:srgbClr val="5C2699"/>
+                </a:solidFill>
+                <a:latin typeface="Arial"/>
+                <a:ea typeface="Arial"/>
+                <a:cs typeface="Arial"/>
+                <a:sym typeface="Arial"/>
+              </a:defRPr>
+            </a:pPr>
+            <a:r>
+              <a:rPr>
                 <a:solidFill>
                   <a:srgbClr val="3F6E74"/>
                 </a:solidFill>
-                <a:latin typeface="Menlo"/>
-                <a:ea typeface="Menlo"/>
-                <a:cs typeface="Menlo"/>
-                <a:sym typeface="Menlo"/>
+              </a:rPr>
+              <a:t>print</a:t>
+            </a:r>
+            <a:r>
+              <a:rPr>
+                <a:solidFill>
+                  <a:srgbClr val="333333"/>
+                </a:solidFill>
+              </a:rPr>
+              <a:t>(</a:t>
+            </a:r>
+            <a:r>
+              <a:t>"theAceOfSpades: </a:t>
+            </a:r>
+            <a:r>
+              <a:rPr>
+                <a:solidFill>
+                  <a:srgbClr val="333333"/>
+                </a:solidFill>
+              </a:rPr>
+              <a:t>\(</a:t>
+            </a:r>
+            <a:r>
+              <a:rPr>
+                <a:solidFill>
+                  <a:srgbClr val="3F6E74"/>
+                </a:solidFill>
+              </a:rPr>
+              <a:t>theAceOfSpades</a:t>
+            </a:r>
+            <a:r>
+              <a:rPr>
+                <a:solidFill>
+                  <a:srgbClr val="333333"/>
+                </a:solidFill>
+              </a:rPr>
+              <a:t>.</a:t>
+            </a:r>
+            <a:r>
+              <a:rPr>
+                <a:solidFill>
+                  <a:srgbClr val="3F6E74"/>
+                </a:solidFill>
+              </a:rPr>
+              <a:t>description</a:t>
+            </a:r>
+            <a:r>
+              <a:rPr>
+                <a:solidFill>
+                  <a:srgbClr val="333333"/>
+                </a:solidFill>
+              </a:rPr>
+              <a:t>)</a:t>
+            </a:r>
+            <a:r>
+              <a:t>"</a:t>
+            </a:r>
+            <a:r>
+              <a:rPr>
+                <a:solidFill>
+                  <a:srgbClr val="333333"/>
+                </a:solidFill>
+              </a:rPr>
+              <a:t>)</a:t>
+            </a:r>
+            <a:endParaRPr>
+              <a:solidFill>
+                <a:srgbClr val="333333"/>
+              </a:solidFill>
+            </a:endParaRPr>
+          </a:p>
+          <a:p>
+            <a:pPr marL="527755" indent="-388055" defTabSz="457200">
+              <a:lnSpc>
+                <a:spcPts val="1700"/>
+              </a:lnSpc>
+              <a:spcBef>
+                <a:spcPts val="0"/>
+              </a:spcBef>
+              <a:buClr>
+                <a:srgbClr val="007400"/>
+              </a:buClr>
+              <a:buSzPct val="100000"/>
+              <a:buFont typeface="Menlo"/>
+              <a:buChar char="•"/>
+              <a:defRPr b="0" sz="1100">
+                <a:solidFill>
+                  <a:srgbClr val="5C2699"/>
+                </a:solidFill>
+                <a:latin typeface="Arial"/>
+                <a:ea typeface="Arial"/>
+                <a:cs typeface="Arial"/>
+                <a:sym typeface="Arial"/>
+              </a:defRPr>
+            </a:pPr>
+            <a:r>
+              <a:t>// Prints "theAceOfSpades: suit is ♠, value is 1 or 11"</a:t>
+            </a:r>
+          </a:p>
+        </p:txBody>
+      </p:sp>
+    </p:spTree>
+  </p:cSld>
+  <p:clrMapOvr>
+    <a:masterClrMapping/>
+  </p:clrMapOvr>
+  <p:transition xmlns:p14="http://schemas.microsoft.com/office/powerpoint/2010/main" spd="med" advClick="1"/>
+</p:sld>
+</file>
+
+<file path=ppt/slides/slide5.xml><?xml version="1.0" encoding="utf-8"?>
+<p:sld xmlns:a="http://schemas.openxmlformats.org/drawingml/2006/main" xmlns:r="http://schemas.openxmlformats.org/officeDocument/2006/relationships" xmlns:p="http://schemas.openxmlformats.org/presentationml/2006/main" xmlns:m="http://schemas.openxmlformats.org/officeDocument/2006/math" xmlns:a14="http://schemas.microsoft.com/office/drawing/2010/main" showMasterSp="1" showMasterPhAnim="1">
+  <p:cSld>
+    <p:spTree>
+      <p:nvGrpSpPr>
+        <p:cNvPr id="1" name=""/>
+        <p:cNvGrpSpPr/>
+        <p:nvPr/>
+      </p:nvGrpSpPr>
+      <p:grpSpPr>
+        <a:xfrm>
+          <a:off x="0" y="0"/>
+          <a:ext cx="0" cy="0"/>
+          <a:chOff x="0" y="0"/>
+          <a:chExt cx="0" cy="0"/>
+        </a:xfrm>
+      </p:grpSpPr>
+      <p:sp>
+        <p:nvSpPr>
+          <p:cNvPr id="696" name="2.使用巢狀類別"/>
+          <p:cNvSpPr txBox="1"/>
+          <p:nvPr>
+            <p:ph type="title"/>
+          </p:nvPr>
+        </p:nvSpPr>
+        <p:spPr>
+          <a:xfrm>
+            <a:off x="457200" y="268259"/>
+            <a:ext cx="8229600" cy="707887"/>
+          </a:xfrm>
+          <a:prstGeom prst="rect">
+            <a:avLst/>
+          </a:prstGeom>
+        </p:spPr>
+        <p:txBody>
+          <a:bodyPr/>
+          <a:lstStyle>
+            <a:lvl1pPr algn="l"/>
+          </a:lstStyle>
+          <a:p>
+            <a:pPr/>
+            <a:r>
+              <a:t>2.使用巢狀類別</a:t>
+            </a:r>
+          </a:p>
+        </p:txBody>
+      </p:sp>
+      <p:sp>
+        <p:nvSpPr>
+          <p:cNvPr id="697" name="幻燈片編號"/>
+          <p:cNvSpPr txBox="1"/>
+          <p:nvPr>
+            <p:ph type="sldNum" sz="quarter" idx="2"/>
+          </p:nvPr>
+        </p:nvSpPr>
+        <p:spPr>
+          <a:xfrm>
+            <a:off x="8783223" y="4841390"/>
+            <a:ext cx="174772" cy="226986"/>
+          </a:xfrm>
+          <a:prstGeom prst="rect">
+            <a:avLst/>
+          </a:prstGeom>
+          <a:extLst>
+            <a:ext uri="{C572A759-6A51-4108-AA02-DFA0A04FC94B}">
+              <ma14:wrappingTextBoxFlag xmlns:ma14="http://schemas.microsoft.com/office/mac/drawingml/2011/main" val="1"/>
+            </a:ext>
+          </a:extLst>
+        </p:spPr>
+        <p:txBody>
+          <a:bodyPr/>
+          <a:lstStyle/>
+          <a:p>
+            <a:pPr/>
+            <a:fld id="{86CB4B4D-7CA3-9044-876B-883B54F8677D}" type="slidenum"/>
+          </a:p>
+        </p:txBody>
+      </p:sp>
+      <p:pic>
+        <p:nvPicPr>
+          <p:cNvPr id="698" name="圖片版面配置區 10" descr="圖片版面配置區 10"/>
+          <p:cNvPicPr>
+            <a:picLocks noChangeAspect="1"/>
+          </p:cNvPicPr>
+          <p:nvPr>
+            <p:ph type="pic" idx="13"/>
+          </p:nvPr>
+        </p:nvPicPr>
+        <p:blipFill>
+          <a:blip r:embed="rId2">
+            <a:extLst/>
+          </a:blip>
+          <a:stretch>
+            <a:fillRect/>
+          </a:stretch>
+        </p:blipFill>
+        <p:spPr>
+          <a:prstGeom prst="rect">
+            <a:avLst/>
+          </a:prstGeom>
+        </p:spPr>
+      </p:pic>
+      <p:pic>
+        <p:nvPicPr>
+          <p:cNvPr id="699" name="圖片版面配置區 13" descr="圖片版面配置區 13"/>
+          <p:cNvPicPr>
+            <a:picLocks noChangeAspect="1"/>
+          </p:cNvPicPr>
+          <p:nvPr>
+            <p:ph type="pic" idx="14"/>
+          </p:nvPr>
+        </p:nvPicPr>
+        <p:blipFill>
+          <a:blip r:embed="rId2">
+            <a:extLst/>
+          </a:blip>
+          <a:stretch>
+            <a:fillRect/>
+          </a:stretch>
+        </p:blipFill>
+        <p:spPr>
+          <a:prstGeom prst="rect">
+            <a:avLst/>
+          </a:prstGeom>
+        </p:spPr>
+      </p:pic>
+      <p:sp>
+        <p:nvSpPr>
+          <p:cNvPr id="700" name="let heartsSymbol = BlackjackCard.Suit.hearts.rawValue…"/>
+          <p:cNvSpPr txBox="1"/>
+          <p:nvPr/>
+        </p:nvSpPr>
+        <p:spPr>
+          <a:xfrm>
+            <a:off x="758670" y="1125005"/>
+            <a:ext cx="5623099" cy="1023502"/>
+          </a:xfrm>
+          <a:prstGeom prst="rect">
+            <a:avLst/>
+          </a:prstGeom>
+          <a:ln w="12700">
+            <a:miter lim="400000"/>
+          </a:ln>
+          <a:extLst>
+            <a:ext uri="{C572A759-6A51-4108-AA02-DFA0A04FC94B}">
+              <ma14:wrappingTextBoxFlag xmlns:ma14="http://schemas.microsoft.com/office/mac/drawingml/2011/main" val="1"/>
+            </a:ext>
+          </a:extLst>
+        </p:spPr>
+        <p:txBody>
+          <a:bodyPr wrap="none" lIns="45719" rIns="45719">
+            <a:spAutoFit/>
+          </a:bodyPr>
+          <a:lstStyle/>
+          <a:p>
+            <a:pPr marL="502557" indent="-362857" defTabSz="457200">
+              <a:lnSpc>
+                <a:spcPts val="2500"/>
+              </a:lnSpc>
+              <a:spcBef>
+                <a:spcPts val="0"/>
+              </a:spcBef>
+              <a:buClr>
+                <a:srgbClr val="007400"/>
+              </a:buClr>
+              <a:buSzPct val="100000"/>
+              <a:buFont typeface="Menlo"/>
+              <a:buChar char="•"/>
+              <a:defRPr b="0" sz="1600">
+                <a:solidFill>
+                  <a:srgbClr val="5C2699"/>
+                </a:solidFill>
+                <a:latin typeface="Arial"/>
+                <a:ea typeface="Arial"/>
+                <a:cs typeface="Arial"/>
+                <a:sym typeface="Arial"/>
               </a:defRPr>
             </a:pPr>
             <a:r>
@@ -35857,9 +35102,9 @@
             </a:endParaRPr>
           </a:p>
           <a:p>
-            <a:pPr marL="457200" indent="-317500" defTabSz="457200">
+            <a:pPr marL="502557" indent="-362857" defTabSz="457200">
               <a:lnSpc>
-                <a:spcPts val="3900"/>
+                <a:spcPts val="2500"/>
               </a:lnSpc>
               <a:spcBef>
                 <a:spcPts val="0"/>
@@ -35870,14 +35115,14 @@
               <a:buSzPct val="100000"/>
               <a:buFont typeface="Menlo"/>
               <a:buChar char="•"/>
-              <a:defRPr b="0">
+              <a:defRPr b="0" sz="1600">
                 <a:solidFill>
-                  <a:srgbClr val="007400"/>
+                  <a:srgbClr val="5C2699"/>
                 </a:solidFill>
-                <a:latin typeface="Menlo"/>
-                <a:ea typeface="Menlo"/>
-                <a:cs typeface="Menlo"/>
-                <a:sym typeface="Menlo"/>
+                <a:latin typeface="Arial"/>
+                <a:ea typeface="Arial"/>
+                <a:cs typeface="Arial"/>
+                <a:sym typeface="Arial"/>
               </a:defRPr>
             </a:pPr>
             <a:r>
